--- a/CarShoptprezentáció.pptx
+++ b/CarShoptprezentáció.pptx
@@ -225,7 +225,7 @@
           <a:p>
             <a:fld id="{471E0D89-7C2E-4F2E-A371-F79B31E3BD27}" type="datetimeFigureOut">
               <a:rPr lang="hu-HU" smtClean="0"/>
-              <a:t>2025. 04. 10.</a:t>
+              <a:t>2025. 04. 28.</a:t>
             </a:fld>
             <a:endParaRPr lang="hu-HU"/>
           </a:p>
@@ -692,7 +692,7 @@
           <a:p>
             <a:fld id="{F36B24A3-399C-4EA5-8CEA-B030DB394EAE}" type="datetimeFigureOut">
               <a:rPr lang="hu-HU" smtClean="0"/>
-              <a:t>2025. 04. 10.</a:t>
+              <a:t>2025. 04. 28.</a:t>
             </a:fld>
             <a:endParaRPr lang="hu-HU"/>
           </a:p>
@@ -882,7 +882,7 @@
           <a:p>
             <a:fld id="{F36B24A3-399C-4EA5-8CEA-B030DB394EAE}" type="datetimeFigureOut">
               <a:rPr lang="hu-HU" smtClean="0"/>
-              <a:t>2025. 04. 10.</a:t>
+              <a:t>2025. 04. 28.</a:t>
             </a:fld>
             <a:endParaRPr lang="hu-HU"/>
           </a:p>
@@ -1062,7 +1062,7 @@
           <a:p>
             <a:fld id="{F36B24A3-399C-4EA5-8CEA-B030DB394EAE}" type="datetimeFigureOut">
               <a:rPr lang="hu-HU" smtClean="0"/>
-              <a:t>2025. 04. 10.</a:t>
+              <a:t>2025. 04. 28.</a:t>
             </a:fld>
             <a:endParaRPr lang="hu-HU"/>
           </a:p>
@@ -1232,7 +1232,7 @@
           <a:p>
             <a:fld id="{F36B24A3-399C-4EA5-8CEA-B030DB394EAE}" type="datetimeFigureOut">
               <a:rPr lang="hu-HU" smtClean="0"/>
-              <a:t>2025. 04. 10.</a:t>
+              <a:t>2025. 04. 28.</a:t>
             </a:fld>
             <a:endParaRPr lang="hu-HU"/>
           </a:p>
@@ -1488,7 +1488,7 @@
           <a:p>
             <a:fld id="{F36B24A3-399C-4EA5-8CEA-B030DB394EAE}" type="datetimeFigureOut">
               <a:rPr lang="hu-HU" smtClean="0"/>
-              <a:t>2025. 04. 10.</a:t>
+              <a:t>2025. 04. 28.</a:t>
             </a:fld>
             <a:endParaRPr lang="hu-HU"/>
           </a:p>
@@ -1776,7 +1776,7 @@
           <a:p>
             <a:fld id="{F36B24A3-399C-4EA5-8CEA-B030DB394EAE}" type="datetimeFigureOut">
               <a:rPr lang="hu-HU" smtClean="0"/>
-              <a:t>2025. 04. 10.</a:t>
+              <a:t>2025. 04. 28.</a:t>
             </a:fld>
             <a:endParaRPr lang="hu-HU"/>
           </a:p>
@@ -2214,7 +2214,7 @@
           <a:p>
             <a:fld id="{F36B24A3-399C-4EA5-8CEA-B030DB394EAE}" type="datetimeFigureOut">
               <a:rPr lang="hu-HU" smtClean="0"/>
-              <a:t>2025. 04. 10.</a:t>
+              <a:t>2025. 04. 28.</a:t>
             </a:fld>
             <a:endParaRPr lang="hu-HU"/>
           </a:p>
@@ -2332,7 +2332,7 @@
           <a:p>
             <a:fld id="{F36B24A3-399C-4EA5-8CEA-B030DB394EAE}" type="datetimeFigureOut">
               <a:rPr lang="hu-HU" smtClean="0"/>
-              <a:t>2025. 04. 10.</a:t>
+              <a:t>2025. 04. 28.</a:t>
             </a:fld>
             <a:endParaRPr lang="hu-HU"/>
           </a:p>
@@ -2427,7 +2427,7 @@
           <a:p>
             <a:fld id="{F36B24A3-399C-4EA5-8CEA-B030DB394EAE}" type="datetimeFigureOut">
               <a:rPr lang="hu-HU" smtClean="0"/>
-              <a:t>2025. 04. 10.</a:t>
+              <a:t>2025. 04. 28.</a:t>
             </a:fld>
             <a:endParaRPr lang="hu-HU"/>
           </a:p>
@@ -2783,7 +2783,7 @@
           <a:p>
             <a:fld id="{F36B24A3-399C-4EA5-8CEA-B030DB394EAE}" type="datetimeFigureOut">
               <a:rPr lang="hu-HU" smtClean="0"/>
-              <a:t>2025. 04. 10.</a:t>
+              <a:t>2025. 04. 28.</a:t>
             </a:fld>
             <a:endParaRPr lang="hu-HU"/>
           </a:p>
@@ -3099,7 +3099,7 @@
           <a:p>
             <a:fld id="{F36B24A3-399C-4EA5-8CEA-B030DB394EAE}" type="datetimeFigureOut">
               <a:rPr lang="hu-HU" smtClean="0"/>
-              <a:t>2025. 04. 10.</a:t>
+              <a:t>2025. 04. 28.</a:t>
             </a:fld>
             <a:endParaRPr lang="hu-HU"/>
           </a:p>
@@ -3332,7 +3332,7 @@
           <a:p>
             <a:fld id="{F36B24A3-399C-4EA5-8CEA-B030DB394EAE}" type="datetimeFigureOut">
               <a:rPr lang="hu-HU" smtClean="0"/>
-              <a:t>2025. 04. 10.</a:t>
+              <a:t>2025. 04. 28.</a:t>
             </a:fld>
             <a:endParaRPr lang="hu-HU"/>
           </a:p>
@@ -4066,141 +4066,57 @@
           </a:bodyPr>
           <a:lstStyle/>
           <a:p>
+            <a:endParaRPr lang="hu-HU" sz="2000" b="1" dirty="0">
+              <a:latin typeface="Times New Roman" panose="02020603050405020304" pitchFamily="18" charset="0"/>
+              <a:cs typeface="Times New Roman" panose="02020603050405020304" pitchFamily="18" charset="0"/>
+            </a:endParaRPr>
+          </a:p>
+          <a:p>
+            <a:endParaRPr lang="hu-HU" sz="2000" b="1" dirty="0">
+              <a:latin typeface="Times New Roman" panose="02020603050405020304" pitchFamily="18" charset="0"/>
+              <a:cs typeface="Times New Roman" panose="02020603050405020304" pitchFamily="18" charset="0"/>
+            </a:endParaRPr>
+          </a:p>
+          <a:p>
+            <a:endParaRPr lang="hu-HU" sz="2000" b="1" dirty="0">
+              <a:latin typeface="Times New Roman" panose="02020603050405020304" pitchFamily="18" charset="0"/>
+              <a:cs typeface="Times New Roman" panose="02020603050405020304" pitchFamily="18" charset="0"/>
+            </a:endParaRPr>
+          </a:p>
+          <a:p>
             <a:r>
               <a:rPr lang="hu-HU" sz="2000" dirty="0">
                 <a:latin typeface="Times New Roman" panose="02020603050405020304" pitchFamily="18" charset="0"/>
                 <a:cs typeface="Times New Roman" panose="02020603050405020304" pitchFamily="18" charset="0"/>
               </a:rPr>
-              <a:t>A rendelési folyamat során a következő adatokat kell megadnod:</a:t>
-            </a:r>
-          </a:p>
-          <a:p>
-            <a:r>
-              <a:rPr lang="hu-HU" sz="2000" b="1" dirty="0">
-                <a:latin typeface="Times New Roman" panose="02020603050405020304" pitchFamily="18" charset="0"/>
-                <a:cs typeface="Times New Roman" panose="02020603050405020304" pitchFamily="18" charset="0"/>
-              </a:rPr>
-              <a:t>Személyes adatok</a:t>
-            </a:r>
+              <a:t>Személyes adatok </a:t>
+            </a:r>
+          </a:p>
+          <a:p>
             <a:r>
               <a:rPr lang="hu-HU" sz="2000" dirty="0">
                 <a:latin typeface="Times New Roman" panose="02020603050405020304" pitchFamily="18" charset="0"/>
                 <a:cs typeface="Times New Roman" panose="02020603050405020304" pitchFamily="18" charset="0"/>
               </a:rPr>
-              <a:t> (név, e-mail, telefonszám)</a:t>
-            </a:r>
-          </a:p>
-          <a:p>
-            <a:r>
-              <a:rPr lang="hu-HU" sz="2000" b="1" dirty="0">
-                <a:latin typeface="Times New Roman" panose="02020603050405020304" pitchFamily="18" charset="0"/>
-                <a:cs typeface="Times New Roman" panose="02020603050405020304" pitchFamily="18" charset="0"/>
-              </a:rPr>
-              <a:t>Szállítási cím</a:t>
-            </a:r>
+              <a:t>Szállítási cím </a:t>
+            </a:r>
+          </a:p>
+          <a:p>
             <a:r>
               <a:rPr lang="hu-HU" sz="2000" dirty="0">
                 <a:latin typeface="Times New Roman" panose="02020603050405020304" pitchFamily="18" charset="0"/>
                 <a:cs typeface="Times New Roman" panose="02020603050405020304" pitchFamily="18" charset="0"/>
               </a:rPr>
-              <a:t> (utca, város, irányítószám)</a:t>
-            </a:r>
-          </a:p>
-          <a:p>
-            <a:r>
-              <a:rPr lang="hu-HU" sz="2000" b="1" dirty="0">
-                <a:latin typeface="Times New Roman" panose="02020603050405020304" pitchFamily="18" charset="0"/>
-                <a:cs typeface="Times New Roman" panose="02020603050405020304" pitchFamily="18" charset="0"/>
-              </a:rPr>
-              <a:t>Szállítási mód kiválasztása</a:t>
-            </a:r>
+              <a:t>Szállítási mód kiválasztása </a:t>
+            </a:r>
+          </a:p>
+          <a:p>
             <a:r>
               <a:rPr lang="hu-HU" sz="2000" dirty="0">
                 <a:latin typeface="Times New Roman" panose="02020603050405020304" pitchFamily="18" charset="0"/>
                 <a:cs typeface="Times New Roman" panose="02020603050405020304" pitchFamily="18" charset="0"/>
               </a:rPr>
-              <a:t> (pl. expressz szállítás, aznapi kiszállítás)</a:t>
-            </a:r>
-          </a:p>
-          <a:p>
-            <a:r>
-              <a:rPr lang="hu-HU" sz="2000" b="1" dirty="0">
-                <a:latin typeface="Times New Roman" panose="02020603050405020304" pitchFamily="18" charset="0"/>
-                <a:cs typeface="Times New Roman" panose="02020603050405020304" pitchFamily="18" charset="0"/>
-              </a:rPr>
-              <a:t>Fizetési mód kiválasztása</a:t>
-            </a:r>
-            <a:r>
-              <a:rPr lang="hu-HU" sz="2000" dirty="0">
-                <a:latin typeface="Times New Roman" panose="02020603050405020304" pitchFamily="18" charset="0"/>
-                <a:cs typeface="Times New Roman" panose="02020603050405020304" pitchFamily="18" charset="0"/>
-              </a:rPr>
-              <a:t> (pl. bankkártya, utánvét)</a:t>
-            </a:r>
-          </a:p>
-          <a:p>
-            <a:r>
-              <a:rPr lang="hu-HU" sz="2000" dirty="0">
-                <a:latin typeface="Times New Roman" panose="02020603050405020304" pitchFamily="18" charset="0"/>
-                <a:cs typeface="Times New Roman" panose="02020603050405020304" pitchFamily="18" charset="0"/>
-              </a:rPr>
-              <a:t>Miután minden adatot megadtál, a </a:t>
-            </a:r>
-            <a:r>
-              <a:rPr lang="hu-HU" sz="2000" b="1" dirty="0">
-                <a:latin typeface="Times New Roman" panose="02020603050405020304" pitchFamily="18" charset="0"/>
-                <a:cs typeface="Times New Roman" panose="02020603050405020304" pitchFamily="18" charset="0"/>
-              </a:rPr>
-              <a:t>"</a:t>
-            </a:r>
-            <a:r>
-              <a:rPr lang="hu-HU" sz="2000" b="1" dirty="0" err="1">
-                <a:latin typeface="Times New Roman" panose="02020603050405020304" pitchFamily="18" charset="0"/>
-                <a:cs typeface="Times New Roman" panose="02020603050405020304" pitchFamily="18" charset="0"/>
-              </a:rPr>
-              <a:t>Proceed</a:t>
-            </a:r>
-            <a:r>
-              <a:rPr lang="hu-HU" sz="2000" b="1" dirty="0">
-                <a:latin typeface="Times New Roman" panose="02020603050405020304" pitchFamily="18" charset="0"/>
-                <a:cs typeface="Times New Roman" panose="02020603050405020304" pitchFamily="18" charset="0"/>
-              </a:rPr>
-              <a:t> </a:t>
-            </a:r>
-            <a:r>
-              <a:rPr lang="hu-HU" sz="2000" b="1" dirty="0" err="1">
-                <a:latin typeface="Times New Roman" panose="02020603050405020304" pitchFamily="18" charset="0"/>
-                <a:cs typeface="Times New Roman" panose="02020603050405020304" pitchFamily="18" charset="0"/>
-              </a:rPr>
-              <a:t>to</a:t>
-            </a:r>
-            <a:r>
-              <a:rPr lang="hu-HU" sz="2000" b="1" dirty="0">
-                <a:latin typeface="Times New Roman" panose="02020603050405020304" pitchFamily="18" charset="0"/>
-                <a:cs typeface="Times New Roman" panose="02020603050405020304" pitchFamily="18" charset="0"/>
-              </a:rPr>
-              <a:t> </a:t>
-            </a:r>
-            <a:r>
-              <a:rPr lang="hu-HU" sz="2000" b="1" dirty="0" err="1">
-                <a:latin typeface="Times New Roman" panose="02020603050405020304" pitchFamily="18" charset="0"/>
-                <a:cs typeface="Times New Roman" panose="02020603050405020304" pitchFamily="18" charset="0"/>
-              </a:rPr>
-              <a:t>Payment</a:t>
-            </a:r>
-            <a:r>
-              <a:rPr lang="hu-HU" sz="2000" b="1" dirty="0">
-                <a:latin typeface="Times New Roman" panose="02020603050405020304" pitchFamily="18" charset="0"/>
-                <a:cs typeface="Times New Roman" panose="02020603050405020304" pitchFamily="18" charset="0"/>
-              </a:rPr>
-              <a:t>"</a:t>
-            </a:r>
-            <a:r>
-              <a:rPr lang="hu-HU" sz="2000" dirty="0">
-                <a:latin typeface="Times New Roman" panose="02020603050405020304" pitchFamily="18" charset="0"/>
-                <a:cs typeface="Times New Roman" panose="02020603050405020304" pitchFamily="18" charset="0"/>
-              </a:rPr>
-              <a:t> gombra kattintva véglegesítheted a rendelésed.</a:t>
+              <a:t> Fizetési mód kiválasztása </a:t>
             </a:r>
           </a:p>
           <a:p>
@@ -4708,114 +4624,114 @@
         </p:spPr>
         <p:txBody>
           <a:bodyPr>
-            <a:normAutofit fontScale="92500" lnSpcReduction="10000"/>
+            <a:normAutofit/>
           </a:bodyPr>
           <a:lstStyle/>
           <a:p>
             <a:r>
-              <a:rPr lang="hu-HU" b="1" dirty="0"/>
-              <a:t>A </a:t>
-            </a:r>
-            <a:r>
-              <a:rPr lang="hu-HU" b="1" dirty="0" err="1"/>
-              <a:t>React</a:t>
-            </a:r>
-            <a:r>
-              <a:rPr lang="hu-HU" b="1" dirty="0"/>
-              <a:t> tesztek általában a </a:t>
-            </a:r>
-            <a:r>
-              <a:rPr lang="hu-HU" b="1" dirty="0" err="1"/>
-              <a:t>React</a:t>
-            </a:r>
-            <a:r>
-              <a:rPr lang="hu-HU" b="1" dirty="0"/>
-              <a:t> alkalmazások vagy komponensek funkcionalitását és megjelenését tesztelik. A tesztek általában automatikusan futnak, és több fő típusra oszthatók: egységtesztek és integrációs tesztek.</a:t>
-            </a:r>
-            <a:endParaRPr lang="hu-HU" dirty="0"/>
-          </a:p>
-          <a:p>
-            <a:r>
-              <a:rPr lang="hu-HU" b="1" dirty="0"/>
-              <a:t>Az egységtesztek a </a:t>
-            </a:r>
-            <a:r>
-              <a:rPr lang="hu-HU" b="1" dirty="0" err="1"/>
-              <a:t>React</a:t>
-            </a:r>
-            <a:r>
-              <a:rPr lang="hu-HU" b="1" dirty="0"/>
-              <a:t> komponensek vagy funkciók egyes részeit tesztelik, például a komponens állapotát vagy a funkció visszatérési értékét. Az egységtesztek segítségével ellenőrizhető, hogy a komponensek és funkciók helyesen működnek-e és helyes adatokat adnak-e vissza.</a:t>
-            </a:r>
-            <a:endParaRPr lang="hu-HU" dirty="0"/>
-          </a:p>
-          <a:p>
-            <a:r>
-              <a:rPr lang="hu-HU" b="1" dirty="0"/>
-              <a:t>Az integrációs tesztek az egyes komponensek együttműködését és a rendszer egészének működését tesztelik. Az integrációs tesztek az egyes komponensek általános interakcióját, valamint a külső függőségeket, mint például az API-</a:t>
-            </a:r>
-            <a:r>
-              <a:rPr lang="hu-HU" b="1" dirty="0" err="1"/>
-              <a:t>kat</a:t>
-            </a:r>
-            <a:r>
-              <a:rPr lang="hu-HU" b="1" dirty="0"/>
-              <a:t> és az adatbázisokat is ellenőrzik.</a:t>
-            </a:r>
-            <a:endParaRPr lang="hu-HU" dirty="0"/>
-          </a:p>
-          <a:p>
-            <a:r>
-              <a:rPr lang="hu-HU" b="1" dirty="0"/>
-              <a:t>A </a:t>
-            </a:r>
-            <a:r>
-              <a:rPr lang="hu-HU" b="1" dirty="0" err="1"/>
-              <a:t>React</a:t>
-            </a:r>
-            <a:r>
-              <a:rPr lang="hu-HU" b="1" dirty="0"/>
-              <a:t> tesztek futtatásához számos tesztelési keretrendszer áll rendelkezésre, például a </a:t>
-            </a:r>
-            <a:r>
-              <a:rPr lang="hu-HU" b="1" dirty="0" err="1"/>
+              <a:rPr lang="hu-HU" sz="2000" dirty="0">
+                <a:latin typeface="Times New Roman" panose="02020603050405020304" pitchFamily="18" charset="0"/>
+                <a:cs typeface="Times New Roman" panose="02020603050405020304" pitchFamily="18" charset="0"/>
+              </a:rPr>
+              <a:t>Funkcionalitás és megjelenés tesztelése</a:t>
+            </a:r>
+          </a:p>
+          <a:p>
+            <a:r>
+              <a:rPr lang="hu-HU" sz="2000" dirty="0">
+                <a:latin typeface="Times New Roman" panose="02020603050405020304" pitchFamily="18" charset="0"/>
+                <a:cs typeface="Times New Roman" panose="02020603050405020304" pitchFamily="18" charset="0"/>
+              </a:rPr>
+              <a:t>Tesztek típusai:</a:t>
+            </a:r>
+          </a:p>
+          <a:p>
+            <a:pPr lvl="1"/>
+            <a:r>
+              <a:rPr lang="hu-HU" sz="2000" dirty="0">
+                <a:latin typeface="Times New Roman" panose="02020603050405020304" pitchFamily="18" charset="0"/>
+                <a:cs typeface="Times New Roman" panose="02020603050405020304" pitchFamily="18" charset="0"/>
+              </a:rPr>
+              <a:t>Egységtesztek (komponens állapot, visszatérési érték)</a:t>
+            </a:r>
+          </a:p>
+          <a:p>
+            <a:pPr lvl="1"/>
+            <a:r>
+              <a:rPr lang="hu-HU" sz="2000" dirty="0">
+                <a:latin typeface="Times New Roman" panose="02020603050405020304" pitchFamily="18" charset="0"/>
+                <a:cs typeface="Times New Roman" panose="02020603050405020304" pitchFamily="18" charset="0"/>
+              </a:rPr>
+              <a:t>Integrációs tesztek (komponensek együttműködése, külső API-k)</a:t>
+            </a:r>
+          </a:p>
+          <a:p>
+            <a:r>
+              <a:rPr lang="hu-HU" sz="2000" dirty="0">
+                <a:latin typeface="Times New Roman" panose="02020603050405020304" pitchFamily="18" charset="0"/>
+                <a:cs typeface="Times New Roman" panose="02020603050405020304" pitchFamily="18" charset="0"/>
+              </a:rPr>
+              <a:t>Tesztelési keretrendszerek:</a:t>
+            </a:r>
+          </a:p>
+          <a:p>
+            <a:pPr lvl="1"/>
+            <a:r>
+              <a:rPr lang="hu-HU" sz="2000" dirty="0" err="1">
+                <a:latin typeface="Times New Roman" panose="02020603050405020304" pitchFamily="18" charset="0"/>
+                <a:cs typeface="Times New Roman" panose="02020603050405020304" pitchFamily="18" charset="0"/>
+              </a:rPr>
               <a:t>Jest</a:t>
             </a:r>
-            <a:r>
-              <a:rPr lang="hu-HU" b="1" dirty="0"/>
-              <a:t> vagy az </a:t>
-            </a:r>
-            <a:r>
-              <a:rPr lang="hu-HU" b="1" dirty="0" err="1"/>
+            <a:endParaRPr lang="hu-HU" sz="2000" dirty="0">
+              <a:latin typeface="Times New Roman" panose="02020603050405020304" pitchFamily="18" charset="0"/>
+              <a:cs typeface="Times New Roman" panose="02020603050405020304" pitchFamily="18" charset="0"/>
+            </a:endParaRPr>
+          </a:p>
+          <a:p>
+            <a:pPr lvl="1"/>
+            <a:r>
+              <a:rPr lang="hu-HU" sz="2000" dirty="0" err="1">
+                <a:latin typeface="Times New Roman" panose="02020603050405020304" pitchFamily="18" charset="0"/>
+                <a:cs typeface="Times New Roman" panose="02020603050405020304" pitchFamily="18" charset="0"/>
+              </a:rPr>
               <a:t>Enzyme</a:t>
             </a:r>
-            <a:r>
-              <a:rPr lang="hu-HU" b="1" dirty="0"/>
-              <a:t>. Az ilyen tesztelési keretrendszerek lehetővé teszik a tesztek egyszerű és hatékony létrehozását, futtatását és eredményeinek elemzését.</a:t>
-            </a:r>
-            <a:endParaRPr lang="hu-HU" dirty="0"/>
-          </a:p>
-          <a:p>
-            <a:r>
-              <a:rPr lang="hu-HU" b="1" dirty="0"/>
-              <a:t>Összességében a </a:t>
-            </a:r>
-            <a:r>
-              <a:rPr lang="hu-HU" b="1" dirty="0" err="1"/>
-              <a:t>React</a:t>
-            </a:r>
-            <a:r>
-              <a:rPr lang="hu-HU" b="1" dirty="0"/>
-              <a:t> tesztek nagyon </a:t>
-            </a:r>
-            <a:r>
-              <a:rPr lang="hu-HU" b="1" dirty="0" err="1"/>
-              <a:t>fontosak</a:t>
-            </a:r>
-            <a:r>
-              <a:rPr lang="hu-HU" b="1" dirty="0"/>
-              <a:t> az alkalmazások minőségének biztosításához, és a fejlesztőknek érdemes részletesen megvizsgálniuk a tesztelési keretrendszereket és eszközöket a hatékony és megbízható tesztelés érdekében</a:t>
-            </a:r>
+            <a:endParaRPr lang="hu-HU" sz="2000" dirty="0">
+              <a:latin typeface="Times New Roman" panose="02020603050405020304" pitchFamily="18" charset="0"/>
+              <a:cs typeface="Times New Roman" panose="02020603050405020304" pitchFamily="18" charset="0"/>
+            </a:endParaRPr>
+          </a:p>
+          <a:p>
+            <a:r>
+              <a:rPr lang="hu-HU" sz="2000" dirty="0">
+                <a:latin typeface="Times New Roman" panose="02020603050405020304" pitchFamily="18" charset="0"/>
+                <a:cs typeface="Times New Roman" panose="02020603050405020304" pitchFamily="18" charset="0"/>
+              </a:rPr>
+              <a:t>Fontosság:</a:t>
+            </a:r>
+          </a:p>
+          <a:p>
+            <a:pPr lvl="1"/>
+            <a:r>
+              <a:rPr lang="hu-HU" sz="2000" dirty="0">
+                <a:latin typeface="Times New Roman" panose="02020603050405020304" pitchFamily="18" charset="0"/>
+                <a:cs typeface="Times New Roman" panose="02020603050405020304" pitchFamily="18" charset="0"/>
+              </a:rPr>
+              <a:t>Minőségbiztosítás</a:t>
+            </a:r>
+          </a:p>
+          <a:p>
+            <a:pPr lvl="1"/>
+            <a:r>
+              <a:rPr lang="hu-HU" sz="2000" dirty="0">
+                <a:latin typeface="Times New Roman" panose="02020603050405020304" pitchFamily="18" charset="0"/>
+                <a:cs typeface="Times New Roman" panose="02020603050405020304" pitchFamily="18" charset="0"/>
+              </a:rPr>
+              <a:t>Megbízható alkalmazásfejlesztés</a:t>
+            </a:r>
+          </a:p>
+          <a:p>
             <a:endParaRPr lang="hu-HU" dirty="0"/>
           </a:p>
         </p:txBody>
@@ -5262,229 +5178,48 @@
           </a:bodyPr>
           <a:lstStyle/>
           <a:p>
-            <a:r>
-              <a:rPr lang="hu-HU" sz="1300" dirty="0">
-                <a:latin typeface="Times New Roman" panose="02020603050405020304" pitchFamily="18" charset="0"/>
-                <a:cs typeface="Times New Roman" panose="02020603050405020304" pitchFamily="18" charset="0"/>
-              </a:rPr>
-              <a:t>A </a:t>
-            </a:r>
-            <a:r>
-              <a:rPr lang="hu-HU" sz="1300" dirty="0" err="1">
-                <a:latin typeface="Times New Roman" panose="02020603050405020304" pitchFamily="18" charset="0"/>
-                <a:cs typeface="Times New Roman" panose="02020603050405020304" pitchFamily="18" charset="0"/>
-              </a:rPr>
-              <a:t>Car</a:t>
-            </a:r>
-            <a:r>
-              <a:rPr lang="hu-HU" sz="1300" dirty="0">
-                <a:latin typeface="Times New Roman" panose="02020603050405020304" pitchFamily="18" charset="0"/>
-                <a:cs typeface="Times New Roman" panose="02020603050405020304" pitchFamily="18" charset="0"/>
-              </a:rPr>
-              <a:t> Shop projekt célja egy olyan online autóalkatrész-webshop létrehozása volt, amely kifejezetten BMW-tulajdonosokat céloz meg. A projektet csapatmunkában készítettük, a fejlesztést Kolozsvári Krisztina Janka és Pap László végezte a Gyulai SZC Szigeti Endre Technikum 13/A osztályában.</a:t>
-            </a:r>
-          </a:p>
-          <a:p>
-            <a:r>
-              <a:rPr lang="hu-HU" sz="1300" dirty="0">
-                <a:latin typeface="Times New Roman" panose="02020603050405020304" pitchFamily="18" charset="0"/>
-                <a:cs typeface="Times New Roman" panose="02020603050405020304" pitchFamily="18" charset="0"/>
-              </a:rPr>
-              <a:t>A fejlesztés során:</a:t>
-            </a:r>
-          </a:p>
-          <a:p>
-            <a:pPr lvl="0"/>
-            <a:r>
-              <a:rPr lang="hu-HU" sz="1300" dirty="0">
-                <a:latin typeface="Times New Roman" panose="02020603050405020304" pitchFamily="18" charset="0"/>
-                <a:cs typeface="Times New Roman" panose="02020603050405020304" pitchFamily="18" charset="0"/>
-              </a:rPr>
-              <a:t>Visual </a:t>
-            </a:r>
-            <a:r>
-              <a:rPr lang="hu-HU" sz="1300" dirty="0" err="1">
-                <a:latin typeface="Times New Roman" panose="02020603050405020304" pitchFamily="18" charset="0"/>
-                <a:cs typeface="Times New Roman" panose="02020603050405020304" pitchFamily="18" charset="0"/>
-              </a:rPr>
-              <a:t>Studio</a:t>
-            </a:r>
-            <a:r>
-              <a:rPr lang="hu-HU" sz="1300" dirty="0">
-                <a:latin typeface="Times New Roman" panose="02020603050405020304" pitchFamily="18" charset="0"/>
-                <a:cs typeface="Times New Roman" panose="02020603050405020304" pitchFamily="18" charset="0"/>
-              </a:rPr>
-              <a:t> </a:t>
-            </a:r>
-            <a:r>
-              <a:rPr lang="hu-HU" sz="1300" dirty="0" err="1">
-                <a:latin typeface="Times New Roman" panose="02020603050405020304" pitchFamily="18" charset="0"/>
-                <a:cs typeface="Times New Roman" panose="02020603050405020304" pitchFamily="18" charset="0"/>
-              </a:rPr>
-              <a:t>Code</a:t>
-            </a:r>
-            <a:r>
-              <a:rPr lang="hu-HU" sz="1300" dirty="0">
-                <a:latin typeface="Times New Roman" panose="02020603050405020304" pitchFamily="18" charset="0"/>
-                <a:cs typeface="Times New Roman" panose="02020603050405020304" pitchFamily="18" charset="0"/>
-              </a:rPr>
-              <a:t> volt a fő fejlesztői környezet,</a:t>
-            </a:r>
-          </a:p>
-          <a:p>
-            <a:pPr lvl="0"/>
-            <a:r>
-              <a:rPr lang="hu-HU" sz="1300" dirty="0">
-                <a:latin typeface="Times New Roman" panose="02020603050405020304" pitchFamily="18" charset="0"/>
-                <a:cs typeface="Times New Roman" panose="02020603050405020304" pitchFamily="18" charset="0"/>
-              </a:rPr>
-              <a:t>a backend futtatásához Node.js-t, a frontendhez pedig </a:t>
-            </a:r>
-            <a:r>
-              <a:rPr lang="hu-HU" sz="1300" dirty="0" err="1">
-                <a:latin typeface="Times New Roman" panose="02020603050405020304" pitchFamily="18" charset="0"/>
-                <a:cs typeface="Times New Roman" panose="02020603050405020304" pitchFamily="18" charset="0"/>
-              </a:rPr>
-              <a:t>React-et</a:t>
-            </a:r>
-            <a:r>
-              <a:rPr lang="hu-HU" sz="1300" dirty="0">
-                <a:latin typeface="Times New Roman" panose="02020603050405020304" pitchFamily="18" charset="0"/>
-                <a:cs typeface="Times New Roman" panose="02020603050405020304" pitchFamily="18" charset="0"/>
-              </a:rPr>
-              <a:t> használtunk,</a:t>
-            </a:r>
-          </a:p>
-          <a:p>
-            <a:pPr lvl="0"/>
-            <a:r>
-              <a:rPr lang="hu-HU" sz="1300" dirty="0">
-                <a:latin typeface="Times New Roman" panose="02020603050405020304" pitchFamily="18" charset="0"/>
-                <a:cs typeface="Times New Roman" panose="02020603050405020304" pitchFamily="18" charset="0"/>
-              </a:rPr>
-              <a:t>az adatbázis-tervezéshez dbdiagram.io-t alkalmaztunk.</a:t>
-            </a:r>
-          </a:p>
-          <a:p>
-            <a:r>
-              <a:rPr lang="hu-HU" sz="1300" dirty="0">
-                <a:latin typeface="Times New Roman" panose="02020603050405020304" pitchFamily="18" charset="0"/>
-                <a:cs typeface="Times New Roman" panose="02020603050405020304" pitchFamily="18" charset="0"/>
-              </a:rPr>
-              <a:t>A projekt során létrehoztunk:</a:t>
-            </a:r>
-          </a:p>
-          <a:p>
-            <a:pPr lvl="0"/>
-            <a:r>
-              <a:rPr lang="hu-HU" sz="1300" dirty="0">
-                <a:latin typeface="Times New Roman" panose="02020603050405020304" pitchFamily="18" charset="0"/>
-                <a:cs typeface="Times New Roman" panose="02020603050405020304" pitchFamily="18" charset="0"/>
-              </a:rPr>
-              <a:t>felhasználói és adminisztrátori funkciókat (regisztráció, bejelentkezés),</a:t>
-            </a:r>
-          </a:p>
-          <a:p>
-            <a:pPr lvl="0"/>
-            <a:r>
-              <a:rPr lang="hu-HU" sz="1300" dirty="0">
-                <a:latin typeface="Times New Roman" panose="02020603050405020304" pitchFamily="18" charset="0"/>
-                <a:cs typeface="Times New Roman" panose="02020603050405020304" pitchFamily="18" charset="0"/>
-              </a:rPr>
-              <a:t>termékek és modellek kezelésére alkalmas felületeket,</a:t>
-            </a:r>
-          </a:p>
-          <a:p>
-            <a:pPr lvl="0"/>
-            <a:r>
-              <a:rPr lang="hu-HU" sz="1300" dirty="0">
-                <a:latin typeface="Times New Roman" panose="02020603050405020304" pitchFamily="18" charset="0"/>
-                <a:cs typeface="Times New Roman" panose="02020603050405020304" pitchFamily="18" charset="0"/>
-              </a:rPr>
-              <a:t>egy letisztult, modern dizájnt, amely tükrözi a BMW márka </a:t>
-            </a:r>
-            <a:r>
-              <a:rPr lang="hu-HU" sz="1300" dirty="0" err="1">
-                <a:latin typeface="Times New Roman" panose="02020603050405020304" pitchFamily="18" charset="0"/>
-                <a:cs typeface="Times New Roman" panose="02020603050405020304" pitchFamily="18" charset="0"/>
-              </a:rPr>
-              <a:t>arculatát</a:t>
-            </a:r>
-            <a:r>
-              <a:rPr lang="hu-HU" sz="1300" dirty="0">
-                <a:latin typeface="Times New Roman" panose="02020603050405020304" pitchFamily="18" charset="0"/>
-                <a:cs typeface="Times New Roman" panose="02020603050405020304" pitchFamily="18" charset="0"/>
-              </a:rPr>
-              <a:t>.</a:t>
-            </a:r>
-          </a:p>
-          <a:p>
-            <a:r>
-              <a:rPr lang="hu-HU" sz="1300" dirty="0">
-                <a:latin typeface="Times New Roman" panose="02020603050405020304" pitchFamily="18" charset="0"/>
-                <a:cs typeface="Times New Roman" panose="02020603050405020304" pitchFamily="18" charset="0"/>
-              </a:rPr>
-              <a:t>A tesztelés során létrehoztunk tesztfelhasználót, és </a:t>
-            </a:r>
-            <a:r>
-              <a:rPr lang="hu-HU" sz="1300" dirty="0" err="1">
-                <a:latin typeface="Times New Roman" panose="02020603050405020304" pitchFamily="18" charset="0"/>
-                <a:cs typeface="Times New Roman" panose="02020603050405020304" pitchFamily="18" charset="0"/>
-              </a:rPr>
-              <a:t>React</a:t>
-            </a:r>
-            <a:r>
-              <a:rPr lang="hu-HU" sz="1300" dirty="0">
-                <a:latin typeface="Times New Roman" panose="02020603050405020304" pitchFamily="18" charset="0"/>
-                <a:cs typeface="Times New Roman" panose="02020603050405020304" pitchFamily="18" charset="0"/>
-              </a:rPr>
-              <a:t> tesztelési eszközöket használtunk (pl. </a:t>
-            </a:r>
-            <a:r>
-              <a:rPr lang="hu-HU" sz="1300" dirty="0" err="1">
-                <a:latin typeface="Times New Roman" panose="02020603050405020304" pitchFamily="18" charset="0"/>
-                <a:cs typeface="Times New Roman" panose="02020603050405020304" pitchFamily="18" charset="0"/>
-              </a:rPr>
-              <a:t>Jest</a:t>
-            </a:r>
-            <a:r>
-              <a:rPr lang="hu-HU" sz="1300" dirty="0">
-                <a:latin typeface="Times New Roman" panose="02020603050405020304" pitchFamily="18" charset="0"/>
-                <a:cs typeface="Times New Roman" panose="02020603050405020304" pitchFamily="18" charset="0"/>
-              </a:rPr>
-              <a:t>), hogy ellenőrizzük az alkalmazás helyes működését.</a:t>
-            </a:r>
-          </a:p>
-          <a:p>
-            <a:r>
-              <a:rPr lang="hu-HU" sz="1300" dirty="0">
-                <a:latin typeface="Times New Roman" panose="02020603050405020304" pitchFamily="18" charset="0"/>
-                <a:cs typeface="Times New Roman" panose="02020603050405020304" pitchFamily="18" charset="0"/>
-              </a:rPr>
-              <a:t>A projekt böngészőalapú, így bármilyen platformról elérhető (pl. Windows, </a:t>
-            </a:r>
-            <a:r>
-              <a:rPr lang="hu-HU" sz="1300" dirty="0" err="1">
-                <a:latin typeface="Times New Roman" panose="02020603050405020304" pitchFamily="18" charset="0"/>
-                <a:cs typeface="Times New Roman" panose="02020603050405020304" pitchFamily="18" charset="0"/>
-              </a:rPr>
-              <a:t>macOS</a:t>
-            </a:r>
-            <a:r>
-              <a:rPr lang="hu-HU" sz="1300" dirty="0">
-                <a:latin typeface="Times New Roman" panose="02020603050405020304" pitchFamily="18" charset="0"/>
-                <a:cs typeface="Times New Roman" panose="02020603050405020304" pitchFamily="18" charset="0"/>
-              </a:rPr>
-              <a:t>, mobil).</a:t>
-            </a:r>
-          </a:p>
-          <a:p>
-            <a:r>
-              <a:rPr lang="hu-HU" sz="1300" dirty="0">
-                <a:latin typeface="Times New Roman" panose="02020603050405020304" pitchFamily="18" charset="0"/>
-                <a:cs typeface="Times New Roman" panose="02020603050405020304" pitchFamily="18" charset="0"/>
-              </a:rPr>
-              <a:t>A munka során nagy hangsúlyt fektettünk az együttműködésre, feladatainkat megosztottuk, és közösen oldottuk meg a felmerülő problémákat. Ez a csapatmunka volt a projekt egyik legfontosabb alapja.</a:t>
+            <a:endParaRPr lang="hu-HU" sz="2000" dirty="0">
+              <a:latin typeface="Times New Roman" panose="02020603050405020304" pitchFamily="18" charset="0"/>
+              <a:cs typeface="Times New Roman" panose="02020603050405020304" pitchFamily="18" charset="0"/>
+            </a:endParaRPr>
+          </a:p>
+          <a:p>
+            <a:endParaRPr lang="hu-HU" sz="2000" dirty="0">
+              <a:latin typeface="Times New Roman" panose="02020603050405020304" pitchFamily="18" charset="0"/>
+              <a:cs typeface="Times New Roman" panose="02020603050405020304" pitchFamily="18" charset="0"/>
+            </a:endParaRPr>
+          </a:p>
+          <a:p>
+            <a:endParaRPr lang="hu-HU" sz="2000" dirty="0">
+              <a:latin typeface="Times New Roman" panose="02020603050405020304" pitchFamily="18" charset="0"/>
+              <a:cs typeface="Times New Roman" panose="02020603050405020304" pitchFamily="18" charset="0"/>
+            </a:endParaRPr>
+          </a:p>
+          <a:p>
+            <a:r>
+              <a:rPr lang="hu-HU" sz="2000" dirty="0">
+                <a:latin typeface="Times New Roman" panose="02020603050405020304" pitchFamily="18" charset="0"/>
+                <a:cs typeface="Times New Roman" panose="02020603050405020304" pitchFamily="18" charset="0"/>
+              </a:rPr>
+              <a:t>BMW-specifikus webshop sikeres fejlesztése</a:t>
+            </a:r>
+          </a:p>
+          <a:p>
+            <a:r>
+              <a:rPr lang="hu-HU" sz="2000" dirty="0">
+                <a:latin typeface="Times New Roman" panose="02020603050405020304" pitchFamily="18" charset="0"/>
+                <a:cs typeface="Times New Roman" panose="02020603050405020304" pitchFamily="18" charset="0"/>
+              </a:rPr>
+              <a:t>Modern, gyors, biztonságos rendszer</a:t>
+            </a:r>
+          </a:p>
+          <a:p>
+            <a:r>
+              <a:rPr lang="hu-HU" sz="2000" dirty="0">
+                <a:latin typeface="Times New Roman" panose="02020603050405020304" pitchFamily="18" charset="0"/>
+                <a:cs typeface="Times New Roman" panose="02020603050405020304" pitchFamily="18" charset="0"/>
+              </a:rPr>
+              <a:t>Erős csapatmunka, közös problémamegoldás</a:t>
             </a:r>
           </a:p>
           <a:p>
@@ -5598,56 +5333,65 @@
           </a:bodyPr>
           <a:lstStyle/>
           <a:p>
-            <a:r>
-              <a:rPr lang="en-US" dirty="0">
-                <a:latin typeface="Times New Roman" panose="02020603050405020304" pitchFamily="18" charset="0"/>
-                <a:cs typeface="Times New Roman" panose="02020603050405020304" pitchFamily="18" charset="0"/>
-              </a:rPr>
-              <a:t>The number of car </a:t>
-            </a:r>
-            <a:r>
-              <a:rPr lang="en-US" dirty="0" err="1">
-                <a:latin typeface="Times New Roman" panose="02020603050405020304" pitchFamily="18" charset="0"/>
-                <a:cs typeface="Times New Roman" panose="02020603050405020304" pitchFamily="18" charset="0"/>
-              </a:rPr>
-              <a:t>webshops</a:t>
-            </a:r>
-            <a:r>
-              <a:rPr lang="en-US" dirty="0">
-                <a:latin typeface="Times New Roman" panose="02020603050405020304" pitchFamily="18" charset="0"/>
-                <a:cs typeface="Times New Roman" panose="02020603050405020304" pitchFamily="18" charset="0"/>
-              </a:rPr>
-              <a:t> on the Internet is constantly growing, and more and more BMW owners are choosing to shop online when they need quality parts, accessories or tuning elements. The goal of a BMW-specific </a:t>
-            </a:r>
-            <a:r>
-              <a:rPr lang="en-US" dirty="0" err="1">
-                <a:latin typeface="Times New Roman" panose="02020603050405020304" pitchFamily="18" charset="0"/>
-                <a:cs typeface="Times New Roman" panose="02020603050405020304" pitchFamily="18" charset="0"/>
-              </a:rPr>
-              <a:t>webshop</a:t>
-            </a:r>
-            <a:r>
-              <a:rPr lang="en-US" dirty="0">
-                <a:latin typeface="Times New Roman" panose="02020603050405020304" pitchFamily="18" charset="0"/>
-                <a:cs typeface="Times New Roman" panose="02020603050405020304" pitchFamily="18" charset="0"/>
-              </a:rPr>
-              <a:t> is to help customers choose the right products, whether it's factory parts, premium accessories or individual tuning solutions. The documentation for this page shows how a BMW car </a:t>
-            </a:r>
-            <a:r>
-              <a:rPr lang="en-US" dirty="0" err="1">
-                <a:latin typeface="Times New Roman" panose="02020603050405020304" pitchFamily="18" charset="0"/>
-                <a:cs typeface="Times New Roman" panose="02020603050405020304" pitchFamily="18" charset="0"/>
-              </a:rPr>
-              <a:t>webshop</a:t>
-            </a:r>
-            <a:r>
-              <a:rPr lang="en-US" dirty="0">
-                <a:latin typeface="Times New Roman" panose="02020603050405020304" pitchFamily="18" charset="0"/>
-                <a:cs typeface="Times New Roman" panose="02020603050405020304" pitchFamily="18" charset="0"/>
-              </a:rPr>
-              <a:t> was designed and developed, which offers only high-quality products and useful information for BMW enthusiasts and car owners.</a:t>
-            </a:r>
-            <a:endParaRPr lang="hu-HU" dirty="0">
+            <a:endParaRPr lang="hu-HU" sz="2000" dirty="0">
+              <a:latin typeface="Times New Roman" panose="02020603050405020304" pitchFamily="18" charset="0"/>
+              <a:cs typeface="Times New Roman" panose="02020603050405020304" pitchFamily="18" charset="0"/>
+            </a:endParaRPr>
+          </a:p>
+          <a:p>
+            <a:endParaRPr lang="hu-HU" sz="2000" dirty="0">
+              <a:latin typeface="Times New Roman" panose="02020603050405020304" pitchFamily="18" charset="0"/>
+              <a:cs typeface="Times New Roman" panose="02020603050405020304" pitchFamily="18" charset="0"/>
+            </a:endParaRPr>
+          </a:p>
+          <a:p>
+            <a:endParaRPr lang="hu-HU" sz="2000" dirty="0">
+              <a:latin typeface="Times New Roman" panose="02020603050405020304" pitchFamily="18" charset="0"/>
+              <a:cs typeface="Times New Roman" panose="02020603050405020304" pitchFamily="18" charset="0"/>
+            </a:endParaRPr>
+          </a:p>
+          <a:p>
+            <a:r>
+              <a:rPr lang="en-US" sz="2000" dirty="0">
+                <a:latin typeface="Times New Roman" panose="02020603050405020304" pitchFamily="18" charset="0"/>
+                <a:cs typeface="Times New Roman" panose="02020603050405020304" pitchFamily="18" charset="0"/>
+              </a:rPr>
+              <a:t>BMW-Specific Parts </a:t>
+            </a:r>
+            <a:r>
+              <a:rPr lang="en-US" sz="2000" dirty="0" err="1">
+                <a:latin typeface="Times New Roman" panose="02020603050405020304" pitchFamily="18" charset="0"/>
+                <a:cs typeface="Times New Roman" panose="02020603050405020304" pitchFamily="18" charset="0"/>
+              </a:rPr>
+              <a:t>Webshop</a:t>
+            </a:r>
+            <a:br>
+              <a:rPr lang="en-US" sz="2000" dirty="0">
+                <a:latin typeface="Times New Roman" panose="02020603050405020304" pitchFamily="18" charset="0"/>
+                <a:cs typeface="Times New Roman" panose="02020603050405020304" pitchFamily="18" charset="0"/>
+              </a:rPr>
+            </a:br>
+            <a:r>
+              <a:rPr lang="en-US" sz="2000" dirty="0">
+                <a:latin typeface="Times New Roman" panose="02020603050405020304" pitchFamily="18" charset="0"/>
+                <a:cs typeface="Times New Roman" panose="02020603050405020304" pitchFamily="18" charset="0"/>
+              </a:rPr>
+              <a:t>High-Quality Products and Tuning Accessories</a:t>
+            </a:r>
+            <a:br>
+              <a:rPr lang="en-US" sz="2000" dirty="0">
+                <a:latin typeface="Times New Roman" panose="02020603050405020304" pitchFamily="18" charset="0"/>
+                <a:cs typeface="Times New Roman" panose="02020603050405020304" pitchFamily="18" charset="0"/>
+              </a:rPr>
+            </a:br>
+            <a:r>
+              <a:rPr lang="en-US" sz="2000" dirty="0">
+                <a:latin typeface="Times New Roman" panose="02020603050405020304" pitchFamily="18" charset="0"/>
+                <a:cs typeface="Times New Roman" panose="02020603050405020304" pitchFamily="18" charset="0"/>
+              </a:rPr>
+              <a:t>User-Friendly, Modern Platform</a:t>
+            </a:r>
+            <a:endParaRPr lang="hu-HU" sz="2000" dirty="0">
               <a:latin typeface="Times New Roman" panose="02020603050405020304" pitchFamily="18" charset="0"/>
               <a:cs typeface="Times New Roman" panose="02020603050405020304" pitchFamily="18" charset="0"/>
             </a:endParaRPr>
@@ -6171,7 +5915,12 @@
             <p:ph idx="1"/>
           </p:nvPr>
         </p:nvSpPr>
-        <p:spPr/>
+        <p:spPr>
+          <a:xfrm>
+            <a:off x="669287" y="2115398"/>
+            <a:ext cx="10753725" cy="3766185"/>
+          </a:xfrm>
+        </p:spPr>
         <p:txBody>
           <a:bodyPr/>
           <a:lstStyle/>
@@ -6189,39 +5938,28 @@
           </a:p>
           <a:p>
             <a:r>
-              <a:rPr lang="hu-HU" sz="2000" dirty="0">
-                <a:latin typeface="Times New Roman" panose="02020603050405020304" pitchFamily="18" charset="0"/>
-                <a:cs typeface="Times New Roman" panose="02020603050405020304" pitchFamily="18" charset="0"/>
-              </a:rPr>
-              <a:t>Az interneten található autós webshopok száma folyamatosan növekszik, és egyre több BMW-tulajdonos választja az online vásárlást, ha minőségi alkatrészekre, kiegészítőkre vagy </a:t>
-            </a:r>
-            <a:r>
-              <a:rPr lang="hu-HU" sz="2000" dirty="0" err="1">
-                <a:latin typeface="Times New Roman" panose="02020603050405020304" pitchFamily="18" charset="0"/>
-                <a:cs typeface="Times New Roman" panose="02020603050405020304" pitchFamily="18" charset="0"/>
-              </a:rPr>
-              <a:t>tuningelemekre</a:t>
-            </a:r>
-            <a:r>
-              <a:rPr lang="hu-HU" sz="2000" dirty="0">
-                <a:latin typeface="Times New Roman" panose="02020603050405020304" pitchFamily="18" charset="0"/>
-                <a:cs typeface="Times New Roman" panose="02020603050405020304" pitchFamily="18" charset="0"/>
-              </a:rPr>
-              <a:t> van szüksége. Egy BMW-specifikus webshop célja, hogy segítsen a vásárlóknak a megfelelő termékek kiválasztásában, legyen szó akár gyári alkatrészekről, akár prémium kiegészítőkről vagy egyedi </a:t>
-            </a:r>
-            <a:r>
-              <a:rPr lang="hu-HU" sz="2000" dirty="0" err="1">
-                <a:latin typeface="Times New Roman" panose="02020603050405020304" pitchFamily="18" charset="0"/>
-                <a:cs typeface="Times New Roman" panose="02020603050405020304" pitchFamily="18" charset="0"/>
-              </a:rPr>
-              <a:t>tuningmegoldásokról</a:t>
-            </a:r>
-            <a:r>
-              <a:rPr lang="hu-HU" sz="2000" dirty="0">
-                <a:latin typeface="Times New Roman" panose="02020603050405020304" pitchFamily="18" charset="0"/>
-                <a:cs typeface="Times New Roman" panose="02020603050405020304" pitchFamily="18" charset="0"/>
-              </a:rPr>
-              <a:t>. Ennek az oldalnak a dokumentációja bemutatja, hogyan lett kialakítva és fejlesztve egy olyan BMW autós webshop, amely kizárólag magas minőségű termékeket és hasznos információkat kínál a BMW-rajongók és autótulajdonosok számára.</a:t>
+              <a:rPr lang="hu-HU" dirty="0"/>
+              <a:t>BMW-specifikus alkatrész webshop</a:t>
+            </a:r>
+          </a:p>
+          <a:p>
+            <a:r>
+              <a:rPr lang="hu-HU" dirty="0"/>
+              <a:t>Minőségi termékek és </a:t>
+            </a:r>
+            <a:r>
+              <a:rPr lang="hu-HU" dirty="0" err="1"/>
+              <a:t>tuning</a:t>
+            </a:r>
+            <a:r>
+              <a:rPr lang="hu-HU" dirty="0"/>
+              <a:t> kiegészítők</a:t>
+            </a:r>
+          </a:p>
+          <a:p>
+            <a:r>
+              <a:rPr lang="hu-HU" dirty="0"/>
+              <a:t>Felhasználóbarát, modern platform</a:t>
             </a:r>
           </a:p>
           <a:p>
@@ -6323,11 +6061,50 @@
           <a:lstStyle/>
           <a:p>
             <a:r>
-              <a:rPr lang="en" dirty="0">
-                <a:latin typeface="Times New Roman" panose="02020603050405020304" pitchFamily="18" charset="0"/>
-                <a:cs typeface="Times New Roman" panose="02020603050405020304" pitchFamily="18" charset="0"/>
-              </a:rPr>
-              <a:t>This homepage shows the admin interface of a BMW parts webshop. The left sidebar contains the navigation menu, which provides the ability to manage products, models, and orders. The main content section displays the latest BMW news, highlighting new models and developments. In addition, there is a fun fact block at the bottom of the page, which shares BMW-related facts with the user.</a:t>
+              <a:rPr lang="en-US" sz="2000" dirty="0">
+                <a:latin typeface="Times New Roman" panose="02020603050405020304" pitchFamily="18" charset="0"/>
+                <a:cs typeface="Times New Roman" panose="02020603050405020304" pitchFamily="18" charset="0"/>
+              </a:rPr>
+              <a:t>Homepage: News, BMW Updates</a:t>
+            </a:r>
+            <a:br>
+              <a:rPr lang="en-US" sz="2000" dirty="0">
+                <a:latin typeface="Times New Roman" panose="02020603050405020304" pitchFamily="18" charset="0"/>
+                <a:cs typeface="Times New Roman" panose="02020603050405020304" pitchFamily="18" charset="0"/>
+              </a:rPr>
+            </a:br>
+            <a:r>
+              <a:rPr lang="en-US" sz="2000" dirty="0">
+                <a:latin typeface="Times New Roman" panose="02020603050405020304" pitchFamily="18" charset="0"/>
+                <a:cs typeface="Times New Roman" panose="02020603050405020304" pitchFamily="18" charset="0"/>
+              </a:rPr>
+              <a:t>Product Categories: Parts by Model</a:t>
+            </a:r>
+            <a:br>
+              <a:rPr lang="en-US" sz="2000" dirty="0">
+                <a:latin typeface="Times New Roman" panose="02020603050405020304" pitchFamily="18" charset="0"/>
+                <a:cs typeface="Times New Roman" panose="02020603050405020304" pitchFamily="18" charset="0"/>
+              </a:rPr>
+            </a:br>
+            <a:r>
+              <a:rPr lang="en-US" sz="2000" dirty="0">
+                <a:latin typeface="Times New Roman" panose="02020603050405020304" pitchFamily="18" charset="0"/>
+                <a:cs typeface="Times New Roman" panose="02020603050405020304" pitchFamily="18" charset="0"/>
+              </a:rPr>
+              <a:t>Registration, Login</a:t>
+            </a:r>
+            <a:br>
+              <a:rPr lang="en-US" sz="2000" dirty="0">
+                <a:latin typeface="Times New Roman" panose="02020603050405020304" pitchFamily="18" charset="0"/>
+                <a:cs typeface="Times New Roman" panose="02020603050405020304" pitchFamily="18" charset="0"/>
+              </a:rPr>
+            </a:br>
+            <a:r>
+              <a:rPr lang="en-US" sz="2000" dirty="0">
+                <a:latin typeface="Times New Roman" panose="02020603050405020304" pitchFamily="18" charset="0"/>
+                <a:cs typeface="Times New Roman" panose="02020603050405020304" pitchFamily="18" charset="0"/>
+              </a:rPr>
+              <a:t>Cart Management, Ordering</a:t>
             </a:r>
           </a:p>
           <a:p>
@@ -6456,12 +6233,14 @@
         </p:nvSpPr>
         <p:spPr>
           <a:xfrm>
-            <a:off x="341376" y="2926080"/>
-            <a:ext cx="10753725" cy="3766185"/>
+            <a:off x="146504" y="789495"/>
+            <a:ext cx="10753725" cy="4531968"/>
           </a:xfrm>
         </p:spPr>
         <p:txBody>
-          <a:bodyPr/>
+          <a:bodyPr>
+            <a:normAutofit fontScale="85000" lnSpcReduction="20000"/>
+          </a:bodyPr>
           <a:lstStyle/>
           <a:p>
             <a:pPr marL="0" lvl="0" indent="0" eaLnBrk="0" fontAlgn="base" hangingPunct="0">
@@ -6587,7 +6366,7 @@
               <a:buFontTx/>
               <a:buChar char="•"/>
             </a:pPr>
-            <a:endParaRPr lang="hu-HU" altLang="hu-HU" dirty="0">
+            <a:endParaRPr lang="hu-HU" altLang="hu-HU" b="1" dirty="0">
               <a:solidFill>
                 <a:schemeClr val="tx1"/>
               </a:solidFill>
@@ -6596,107 +6375,93 @@
             </a:endParaRPr>
           </a:p>
           <a:p>
-            <a:pPr marL="0" lvl="0" indent="0" eaLnBrk="0" fontAlgn="base" hangingPunct="0">
-              <a:lnSpc>
-                <a:spcPct val="100000"/>
-              </a:lnSpc>
-              <a:spcBef>
-                <a:spcPct val="0"/>
-              </a:spcBef>
-              <a:spcAft>
-                <a:spcPct val="0"/>
-              </a:spcAft>
-              <a:buFontTx/>
-              <a:buChar char="•"/>
-            </a:pPr>
-            <a:r>
-              <a:rPr lang="en" altLang="hu-HU" dirty="0">
-                <a:solidFill>
-                  <a:schemeClr val="tx1"/>
-                </a:solidFill>
-                <a:latin typeface="Times New Roman" panose="02020603050405020304" pitchFamily="18" charset="0"/>
-                <a:cs typeface="Times New Roman" panose="02020603050405020304" pitchFamily="18" charset="0"/>
-              </a:rPr>
-              <a:t>The website offers quality parts for BMW models.</a:t>
-            </a:r>
-          </a:p>
-          <a:p>
-            <a:pPr marL="0" lvl="0" indent="0" eaLnBrk="0" fontAlgn="base" hangingPunct="0">
-              <a:lnSpc>
-                <a:spcPct val="100000"/>
-              </a:lnSpc>
-              <a:spcBef>
-                <a:spcPct val="0"/>
-              </a:spcBef>
-              <a:spcAft>
-                <a:spcPct val="0"/>
-              </a:spcAft>
-              <a:buFontTx/>
-              <a:buChar char="•"/>
-            </a:pPr>
-            <a:r>
-              <a:rPr lang="en" altLang="hu-HU" dirty="0">
-                <a:solidFill>
-                  <a:schemeClr val="tx1"/>
-                </a:solidFill>
-                <a:latin typeface="Times New Roman" panose="02020603050405020304" pitchFamily="18" charset="0"/>
-                <a:cs typeface="Times New Roman" panose="02020603050405020304" pitchFamily="18" charset="0"/>
-              </a:rPr>
-              <a:t>Products include brake pads, air filters, spark plugs, shock absorbers and headlights.</a:t>
-            </a:r>
-          </a:p>
-          <a:p>
-            <a:pPr marL="0" lvl="0" indent="0" eaLnBrk="0" fontAlgn="base" hangingPunct="0">
-              <a:lnSpc>
-                <a:spcPct val="100000"/>
-              </a:lnSpc>
-              <a:spcBef>
-                <a:spcPct val="0"/>
-              </a:spcBef>
-              <a:spcAft>
-                <a:spcPct val="0"/>
-              </a:spcAft>
-              <a:buFontTx/>
-              <a:buChar char="•"/>
-            </a:pPr>
-            <a:r>
-              <a:rPr lang="en" altLang="hu-HU" dirty="0">
-                <a:solidFill>
-                  <a:schemeClr val="tx1"/>
-                </a:solidFill>
-                <a:latin typeface="Times New Roman" panose="02020603050405020304" pitchFamily="18" charset="0"/>
-                <a:cs typeface="Times New Roman" panose="02020603050405020304" pitchFamily="18" charset="0"/>
-              </a:rPr>
-              <a:t>They can be purchased simply and quickly by adding them to the cart.</a:t>
-            </a:r>
-          </a:p>
-          <a:p>
-            <a:pPr marL="0" lvl="0" indent="0" eaLnBrk="0" fontAlgn="base" hangingPunct="0">
-              <a:lnSpc>
-                <a:spcPct val="100000"/>
-              </a:lnSpc>
-              <a:spcBef>
-                <a:spcPct val="0"/>
-              </a:spcBef>
-              <a:spcAft>
-                <a:spcPct val="0"/>
-              </a:spcAft>
-              <a:buFontTx/>
-              <a:buChar char="•"/>
-            </a:pPr>
-            <a:r>
-              <a:rPr lang="en" altLang="hu-HU" dirty="0">
-                <a:solidFill>
-                  <a:schemeClr val="tx1"/>
-                </a:solidFill>
-                <a:latin typeface="Times New Roman" panose="02020603050405020304" pitchFamily="18" charset="0"/>
-                <a:cs typeface="Times New Roman" panose="02020603050405020304" pitchFamily="18" charset="0"/>
-              </a:rPr>
-              <a:t>Prices are given in HUF, and the available status for some products is also indicated.</a:t>
-            </a:r>
-          </a:p>
-          <a:p>
-            <a:endParaRPr lang="hu-HU" dirty="0"/>
+            <a:r>
+              <a:rPr lang="en-US" dirty="0">
+                <a:latin typeface="Times New Roman" panose="02020603050405020304" pitchFamily="18" charset="0"/>
+                <a:cs typeface="Times New Roman" panose="02020603050405020304" pitchFamily="18" charset="0"/>
+              </a:rPr>
+              <a:t>Brake Pads</a:t>
+            </a:r>
+            <a:endParaRPr lang="hu-HU" dirty="0">
+              <a:latin typeface="Times New Roman" panose="02020603050405020304" pitchFamily="18" charset="0"/>
+              <a:cs typeface="Times New Roman" panose="02020603050405020304" pitchFamily="18" charset="0"/>
+            </a:endParaRPr>
+          </a:p>
+          <a:p>
+            <a:br>
+              <a:rPr lang="en-US" dirty="0">
+                <a:latin typeface="Times New Roman" panose="02020603050405020304" pitchFamily="18" charset="0"/>
+                <a:cs typeface="Times New Roman" panose="02020603050405020304" pitchFamily="18" charset="0"/>
+              </a:rPr>
+            </a:br>
+            <a:r>
+              <a:rPr lang="en-US" dirty="0">
+                <a:latin typeface="Times New Roman" panose="02020603050405020304" pitchFamily="18" charset="0"/>
+                <a:cs typeface="Times New Roman" panose="02020603050405020304" pitchFamily="18" charset="0"/>
+              </a:rPr>
+              <a:t>Air Filters</a:t>
+            </a:r>
+            <a:endParaRPr lang="hu-HU" dirty="0">
+              <a:latin typeface="Times New Roman" panose="02020603050405020304" pitchFamily="18" charset="0"/>
+              <a:cs typeface="Times New Roman" panose="02020603050405020304" pitchFamily="18" charset="0"/>
+            </a:endParaRPr>
+          </a:p>
+          <a:p>
+            <a:br>
+              <a:rPr lang="en-US" dirty="0">
+                <a:latin typeface="Times New Roman" panose="02020603050405020304" pitchFamily="18" charset="0"/>
+                <a:cs typeface="Times New Roman" panose="02020603050405020304" pitchFamily="18" charset="0"/>
+              </a:rPr>
+            </a:br>
+            <a:r>
+              <a:rPr lang="en-US" dirty="0">
+                <a:latin typeface="Times New Roman" panose="02020603050405020304" pitchFamily="18" charset="0"/>
+                <a:cs typeface="Times New Roman" panose="02020603050405020304" pitchFamily="18" charset="0"/>
+              </a:rPr>
+              <a:t>Spark Plugs</a:t>
+            </a:r>
+            <a:endParaRPr lang="hu-HU" dirty="0">
+              <a:latin typeface="Times New Roman" panose="02020603050405020304" pitchFamily="18" charset="0"/>
+              <a:cs typeface="Times New Roman" panose="02020603050405020304" pitchFamily="18" charset="0"/>
+            </a:endParaRPr>
+          </a:p>
+          <a:p>
+            <a:br>
+              <a:rPr lang="en-US" dirty="0">
+                <a:latin typeface="Times New Roman" panose="02020603050405020304" pitchFamily="18" charset="0"/>
+                <a:cs typeface="Times New Roman" panose="02020603050405020304" pitchFamily="18" charset="0"/>
+              </a:rPr>
+            </a:br>
+            <a:r>
+              <a:rPr lang="en-US" dirty="0">
+                <a:latin typeface="Times New Roman" panose="02020603050405020304" pitchFamily="18" charset="0"/>
+                <a:cs typeface="Times New Roman" panose="02020603050405020304" pitchFamily="18" charset="0"/>
+              </a:rPr>
+              <a:t>Shock Absorbers</a:t>
+            </a:r>
+            <a:endParaRPr lang="hu-HU" dirty="0">
+              <a:latin typeface="Times New Roman" panose="02020603050405020304" pitchFamily="18" charset="0"/>
+              <a:cs typeface="Times New Roman" panose="02020603050405020304" pitchFamily="18" charset="0"/>
+            </a:endParaRPr>
+          </a:p>
+          <a:p>
+            <a:br>
+              <a:rPr lang="en-US" dirty="0">
+                <a:latin typeface="Times New Roman" panose="02020603050405020304" pitchFamily="18" charset="0"/>
+                <a:cs typeface="Times New Roman" panose="02020603050405020304" pitchFamily="18" charset="0"/>
+              </a:rPr>
+            </a:br>
+            <a:r>
+              <a:rPr lang="en-US" dirty="0">
+                <a:latin typeface="Times New Roman" panose="02020603050405020304" pitchFamily="18" charset="0"/>
+                <a:cs typeface="Times New Roman" panose="02020603050405020304" pitchFamily="18" charset="0"/>
+              </a:rPr>
+              <a:t>Headlights</a:t>
+            </a:r>
+            <a:endParaRPr lang="hu-HU" dirty="0">
+              <a:latin typeface="Times New Roman" panose="02020603050405020304" pitchFamily="18" charset="0"/>
+              <a:cs typeface="Times New Roman" panose="02020603050405020304" pitchFamily="18" charset="0"/>
+            </a:endParaRPr>
           </a:p>
         </p:txBody>
       </p:sp>
@@ -6728,7 +6493,7 @@
         </p:blipFill>
         <p:spPr>
           <a:xfrm>
-            <a:off x="2497666" y="1265306"/>
+            <a:off x="3468533" y="1692039"/>
             <a:ext cx="7196667" cy="3629424"/>
           </a:xfrm>
           <a:prstGeom prst="rect">
@@ -6827,105 +6592,76 @@
         </p:spPr>
         <p:txBody>
           <a:bodyPr>
-            <a:normAutofit fontScale="92500"/>
+            <a:normAutofit/>
           </a:bodyPr>
           <a:lstStyle/>
           <a:p>
-            <a:r>
-              <a:rPr lang="en" dirty="0">
-                <a:latin typeface="Times New Roman" panose="02020603050405020304" pitchFamily="18" charset="0"/>
-                <a:cs typeface="Times New Roman" panose="02020603050405020304" pitchFamily="18" charset="0"/>
-              </a:rPr>
-              <a:t>When you select a product, it </a:t>
-            </a:r>
-            <a:r>
-              <a:rPr lang="en" b="1" dirty="0">
-                <a:latin typeface="Times New Roman" panose="02020603050405020304" pitchFamily="18" charset="0"/>
-                <a:cs typeface="Times New Roman" panose="02020603050405020304" pitchFamily="18" charset="0"/>
-              </a:rPr>
-              <a:t>is added to your cart </a:t>
-            </a:r>
-            <a:r>
-              <a:rPr lang="en" dirty="0">
-                <a:latin typeface="Times New Roman" panose="02020603050405020304" pitchFamily="18" charset="0"/>
-                <a:cs typeface="Times New Roman" panose="02020603050405020304" pitchFamily="18" charset="0"/>
-              </a:rPr>
-              <a:t>, where you have the following options:</a:t>
-            </a:r>
-          </a:p>
-          <a:p>
-            <a:r>
-              <a:rPr lang="en" b="1" dirty="0">
-                <a:latin typeface="Times New Roman" panose="02020603050405020304" pitchFamily="18" charset="0"/>
-                <a:cs typeface="Times New Roman" panose="02020603050405020304" pitchFamily="18" charset="0"/>
-              </a:rPr>
-              <a:t>Change quantity </a:t>
-            </a:r>
-            <a:r>
-              <a:rPr lang="en" dirty="0">
-                <a:latin typeface="Times New Roman" panose="02020603050405020304" pitchFamily="18" charset="0"/>
-                <a:cs typeface="Times New Roman" panose="02020603050405020304" pitchFamily="18" charset="0"/>
-              </a:rPr>
-              <a:t>– You can increase or decrease the quantity of a given product.</a:t>
-            </a:r>
-          </a:p>
-          <a:p>
-            <a:r>
-              <a:rPr lang="en" b="1" dirty="0">
-                <a:latin typeface="Times New Roman" panose="02020603050405020304" pitchFamily="18" charset="0"/>
-                <a:cs typeface="Times New Roman" panose="02020603050405020304" pitchFamily="18" charset="0"/>
-              </a:rPr>
-              <a:t>Remove product </a:t>
-            </a:r>
-            <a:r>
-              <a:rPr lang="en" dirty="0">
-                <a:latin typeface="Times New Roman" panose="02020603050405020304" pitchFamily="18" charset="0"/>
-                <a:cs typeface="Times New Roman" panose="02020603050405020304" pitchFamily="18" charset="0"/>
-              </a:rPr>
-              <a:t>– If you change your mind, you can delete the product from the cart with one click.</a:t>
-            </a:r>
-          </a:p>
-          <a:p>
-            <a:r>
-              <a:rPr lang="en" b="1" dirty="0">
-                <a:latin typeface="Times New Roman" panose="02020603050405020304" pitchFamily="18" charset="0"/>
-                <a:cs typeface="Times New Roman" panose="02020603050405020304" pitchFamily="18" charset="0"/>
-              </a:rPr>
-              <a:t>View order total </a:t>
-            </a:r>
-            <a:r>
-              <a:rPr lang="en" dirty="0">
-                <a:latin typeface="Times New Roman" panose="02020603050405020304" pitchFamily="18" charset="0"/>
-                <a:cs typeface="Times New Roman" panose="02020603050405020304" pitchFamily="18" charset="0"/>
-              </a:rPr>
-              <a:t>– The cart always shows the current amount, so you can keep track of your costs.</a:t>
-            </a:r>
-            <a:r>
-              <a:rPr lang="en" dirty="0"/>
-              <a:t> </a:t>
-            </a:r>
-          </a:p>
-          <a:p>
-            <a:r>
-              <a:rPr lang="en" dirty="0">
-                <a:latin typeface="Times New Roman" panose="02020603050405020304" pitchFamily="18" charset="0"/>
-                <a:cs typeface="Times New Roman" panose="02020603050405020304" pitchFamily="18" charset="0"/>
-              </a:rPr>
-              <a:t>If you are satisfied with your selection, click </a:t>
-            </a:r>
-            <a:r>
-              <a:rPr lang="en" b="1" dirty="0">
-                <a:latin typeface="Times New Roman" panose="02020603050405020304" pitchFamily="18" charset="0"/>
-                <a:cs typeface="Times New Roman" panose="02020603050405020304" pitchFamily="18" charset="0"/>
-              </a:rPr>
-              <a:t>" Proceed lake By clicking the " Checkout " </a:t>
-            </a:r>
-            <a:r>
-              <a:rPr lang="en" dirty="0">
-                <a:latin typeface="Times New Roman" panose="02020603050405020304" pitchFamily="18" charset="0"/>
-                <a:cs typeface="Times New Roman" panose="02020603050405020304" pitchFamily="18" charset="0"/>
-              </a:rPr>
-              <a:t>button, you can proceed to the ordering process.</a:t>
+            <a:endParaRPr lang="hu-HU" b="1" dirty="0"/>
+          </a:p>
+          <a:p>
+            <a:r>
+              <a:rPr lang="en-US" sz="2000" dirty="0">
+                <a:latin typeface="Times New Roman" panose="02020603050405020304" pitchFamily="18" charset="0"/>
+                <a:cs typeface="Times New Roman" panose="02020603050405020304" pitchFamily="18" charset="0"/>
+              </a:rPr>
+              <a:t>Adding / Removing Products</a:t>
+            </a:r>
+            <a:endParaRPr lang="hu-HU" sz="2000" dirty="0">
+              <a:latin typeface="Times New Roman" panose="02020603050405020304" pitchFamily="18" charset="0"/>
+              <a:cs typeface="Times New Roman" panose="02020603050405020304" pitchFamily="18" charset="0"/>
+            </a:endParaRPr>
+          </a:p>
+          <a:p>
+            <a:br>
+              <a:rPr lang="en-US" sz="2000" dirty="0">
+                <a:latin typeface="Times New Roman" panose="02020603050405020304" pitchFamily="18" charset="0"/>
+                <a:cs typeface="Times New Roman" panose="02020603050405020304" pitchFamily="18" charset="0"/>
+              </a:rPr>
+            </a:br>
+            <a:r>
+              <a:rPr lang="en-US" sz="2000" dirty="0">
+                <a:latin typeface="Times New Roman" panose="02020603050405020304" pitchFamily="18" charset="0"/>
+                <a:cs typeface="Times New Roman" panose="02020603050405020304" pitchFamily="18" charset="0"/>
+              </a:rPr>
+              <a:t>Modifying Quantity</a:t>
+            </a:r>
+            <a:endParaRPr lang="hu-HU" sz="2000" dirty="0">
+              <a:latin typeface="Times New Roman" panose="02020603050405020304" pitchFamily="18" charset="0"/>
+              <a:cs typeface="Times New Roman" panose="02020603050405020304" pitchFamily="18" charset="0"/>
+            </a:endParaRPr>
+          </a:p>
+          <a:p>
+            <a:br>
+              <a:rPr lang="en-US" sz="2000" dirty="0">
+                <a:latin typeface="Times New Roman" panose="02020603050405020304" pitchFamily="18" charset="0"/>
+                <a:cs typeface="Times New Roman" panose="02020603050405020304" pitchFamily="18" charset="0"/>
+              </a:rPr>
+            </a:br>
+            <a:r>
+              <a:rPr lang="en-US" sz="2000" dirty="0">
+                <a:latin typeface="Times New Roman" panose="02020603050405020304" pitchFamily="18" charset="0"/>
+                <a:cs typeface="Times New Roman" panose="02020603050405020304" pitchFamily="18" charset="0"/>
+              </a:rPr>
+              <a:t>Tracking Total Amount</a:t>
+            </a:r>
+            <a:endParaRPr lang="hu-HU" sz="2000" dirty="0">
+              <a:latin typeface="Times New Roman" panose="02020603050405020304" pitchFamily="18" charset="0"/>
+              <a:cs typeface="Times New Roman" panose="02020603050405020304" pitchFamily="18" charset="0"/>
+            </a:endParaRPr>
+          </a:p>
+          <a:p>
+            <a:br>
+              <a:rPr lang="en-US" sz="2000" dirty="0">
+                <a:latin typeface="Times New Roman" panose="02020603050405020304" pitchFamily="18" charset="0"/>
+                <a:cs typeface="Times New Roman" panose="02020603050405020304" pitchFamily="18" charset="0"/>
+              </a:rPr>
+            </a:br>
+            <a:r>
+              <a:rPr lang="en-US" sz="2000" dirty="0">
+                <a:latin typeface="Times New Roman" panose="02020603050405020304" pitchFamily="18" charset="0"/>
+                <a:cs typeface="Times New Roman" panose="02020603050405020304" pitchFamily="18" charset="0"/>
+              </a:rPr>
+              <a:t>Order: Providing Data, Choosing Payment Method</a:t>
             </a:r>
           </a:p>
           <a:p>
@@ -7049,119 +6785,80 @@
         </p:nvSpPr>
         <p:spPr>
           <a:xfrm>
-            <a:off x="197224" y="2011680"/>
+            <a:off x="239934" y="1904399"/>
             <a:ext cx="4195482" cy="4649096"/>
           </a:xfrm>
         </p:spPr>
         <p:txBody>
           <a:bodyPr>
-            <a:normAutofit fontScale="92500" lnSpcReduction="20000"/>
+            <a:normAutofit/>
           </a:bodyPr>
           <a:lstStyle/>
           <a:p>
+            <a:endParaRPr lang="hu-HU" b="1" dirty="0">
+              <a:latin typeface="Times New Roman" panose="02020603050405020304" pitchFamily="18" charset="0"/>
+              <a:cs typeface="Times New Roman" panose="02020603050405020304" pitchFamily="18" charset="0"/>
+            </a:endParaRPr>
+          </a:p>
+          <a:p>
+            <a:endParaRPr lang="hu-HU" b="1" dirty="0">
+              <a:latin typeface="Times New Roman" panose="02020603050405020304" pitchFamily="18" charset="0"/>
+              <a:cs typeface="Times New Roman" panose="02020603050405020304" pitchFamily="18" charset="0"/>
+            </a:endParaRPr>
+          </a:p>
+          <a:p>
+            <a:endParaRPr lang="hu-HU" b="1" dirty="0">
+              <a:latin typeface="Times New Roman" panose="02020603050405020304" pitchFamily="18" charset="0"/>
+              <a:cs typeface="Times New Roman" panose="02020603050405020304" pitchFamily="18" charset="0"/>
+            </a:endParaRPr>
+          </a:p>
+          <a:p>
             <a:r>
               <a:rPr lang="en" dirty="0">
                 <a:latin typeface="Times New Roman" panose="02020603050405020304" pitchFamily="18" charset="0"/>
                 <a:cs typeface="Times New Roman" panose="02020603050405020304" pitchFamily="18" charset="0"/>
               </a:rPr>
-              <a:t>During the ordering process, you must provide the following information:</a:t>
-            </a:r>
-          </a:p>
-          <a:p>
-            <a:r>
-              <a:rPr lang="en" b="1" dirty="0">
-                <a:latin typeface="Times New Roman" panose="02020603050405020304" pitchFamily="18" charset="0"/>
-                <a:cs typeface="Times New Roman" panose="02020603050405020304" pitchFamily="18" charset="0"/>
-              </a:rPr>
               <a:t>Personal data </a:t>
             </a:r>
+            <a:endParaRPr lang="hu-HU" dirty="0">
+              <a:latin typeface="Times New Roman" panose="02020603050405020304" pitchFamily="18" charset="0"/>
+              <a:cs typeface="Times New Roman" panose="02020603050405020304" pitchFamily="18" charset="0"/>
+            </a:endParaRPr>
+          </a:p>
+          <a:p>
             <a:r>
               <a:rPr lang="en" dirty="0">
                 <a:latin typeface="Times New Roman" panose="02020603050405020304" pitchFamily="18" charset="0"/>
                 <a:cs typeface="Times New Roman" panose="02020603050405020304" pitchFamily="18" charset="0"/>
               </a:rPr>
-              <a:t>(name, email, phone number)</a:t>
-            </a:r>
-          </a:p>
-          <a:p>
-            <a:r>
-              <a:rPr lang="en" b="1" dirty="0">
-                <a:latin typeface="Times New Roman" panose="02020603050405020304" pitchFamily="18" charset="0"/>
-                <a:cs typeface="Times New Roman" panose="02020603050405020304" pitchFamily="18" charset="0"/>
-              </a:rPr>
               <a:t>Shipping address </a:t>
             </a:r>
+            <a:endParaRPr lang="hu-HU" dirty="0">
+              <a:latin typeface="Times New Roman" panose="02020603050405020304" pitchFamily="18" charset="0"/>
+              <a:cs typeface="Times New Roman" panose="02020603050405020304" pitchFamily="18" charset="0"/>
+            </a:endParaRPr>
+          </a:p>
+          <a:p>
             <a:r>
               <a:rPr lang="en" dirty="0">
                 <a:latin typeface="Times New Roman" panose="02020603050405020304" pitchFamily="18" charset="0"/>
                 <a:cs typeface="Times New Roman" panose="02020603050405020304" pitchFamily="18" charset="0"/>
               </a:rPr>
-              <a:t>(street, city, zip code)</a:t>
-            </a:r>
-          </a:p>
-          <a:p>
-            <a:r>
-              <a:rPr lang="en" b="1" dirty="0">
-                <a:latin typeface="Times New Roman" panose="02020603050405020304" pitchFamily="18" charset="0"/>
-                <a:cs typeface="Times New Roman" panose="02020603050405020304" pitchFamily="18" charset="0"/>
-              </a:rPr>
               <a:t>Select shipping method </a:t>
             </a:r>
+            <a:endParaRPr lang="hu-HU" dirty="0">
+              <a:latin typeface="Times New Roman" panose="02020603050405020304" pitchFamily="18" charset="0"/>
+              <a:cs typeface="Times New Roman" panose="02020603050405020304" pitchFamily="18" charset="0"/>
+            </a:endParaRPr>
+          </a:p>
+          <a:p>
             <a:r>
               <a:rPr lang="en" dirty="0">
                 <a:latin typeface="Times New Roman" panose="02020603050405020304" pitchFamily="18" charset="0"/>
                 <a:cs typeface="Times New Roman" panose="02020603050405020304" pitchFamily="18" charset="0"/>
               </a:rPr>
-              <a:t>(e.g. express shipping, same-day delivery)</a:t>
-            </a:r>
-          </a:p>
-          <a:p>
-            <a:r>
-              <a:rPr lang="en" b="1" dirty="0">
-                <a:latin typeface="Times New Roman" panose="02020603050405020304" pitchFamily="18" charset="0"/>
-                <a:cs typeface="Times New Roman" panose="02020603050405020304" pitchFamily="18" charset="0"/>
-              </a:rPr>
-              <a:t>Select payment method </a:t>
-            </a:r>
-            <a:r>
-              <a:rPr lang="en" dirty="0">
-                <a:latin typeface="Times New Roman" panose="02020603050405020304" pitchFamily="18" charset="0"/>
-                <a:cs typeface="Times New Roman" panose="02020603050405020304" pitchFamily="18" charset="0"/>
-              </a:rPr>
-              <a:t>(e.g. bank card, cash on delivery)</a:t>
-            </a:r>
-          </a:p>
-          <a:p>
-            <a:r>
-              <a:rPr lang="en" dirty="0">
-                <a:latin typeface="Times New Roman" panose="02020603050405020304" pitchFamily="18" charset="0"/>
-                <a:cs typeface="Times New Roman" panose="02020603050405020304" pitchFamily="18" charset="0"/>
-              </a:rPr>
-              <a:t>After you have entered all the details, click </a:t>
-            </a:r>
-            <a:r>
-              <a:rPr lang="en" b="1" dirty="0">
-                <a:latin typeface="Times New Roman" panose="02020603050405020304" pitchFamily="18" charset="0"/>
-                <a:cs typeface="Times New Roman" panose="02020603050405020304" pitchFamily="18" charset="0"/>
-              </a:rPr>
-              <a:t>" Proceed " lake </a:t>
-            </a:r>
-            <a:r>
-              <a:rPr lang="en" dirty="0">
-                <a:latin typeface="Times New Roman" panose="02020603050405020304" pitchFamily="18" charset="0"/>
-                <a:cs typeface="Times New Roman" panose="02020603050405020304" pitchFamily="18" charset="0"/>
-              </a:rPr>
-              <a:t>You can finalize your order by clicking </a:t>
-            </a:r>
-            <a:r>
-              <a:rPr lang="en" b="1" dirty="0">
-                <a:latin typeface="Times New Roman" panose="02020603050405020304" pitchFamily="18" charset="0"/>
-                <a:cs typeface="Times New Roman" panose="02020603050405020304" pitchFamily="18" charset="0"/>
-              </a:rPr>
-              <a:t>the "Payment " button.</a:t>
-            </a:r>
-          </a:p>
-          <a:p>
+              <a:t> Select payment method</a:t>
+            </a:r>
             <a:endParaRPr lang="hu-HU" dirty="0"/>
           </a:p>
         </p:txBody>
@@ -7331,23 +7028,16 @@
           </a:p>
           <a:p>
             <a:r>
-              <a:rPr lang="en" b="1" dirty="0">
-                <a:latin typeface="Times New Roman" panose="02020603050405020304" pitchFamily="18" charset="0"/>
-                <a:cs typeface="Times New Roman" panose="02020603050405020304" pitchFamily="18" charset="0"/>
-              </a:rPr>
-              <a:t>Responsive design </a:t>
-            </a:r>
-            <a:r>
               <a:rPr lang="en" dirty="0">
                 <a:latin typeface="Times New Roman" panose="02020603050405020304" pitchFamily="18" charset="0"/>
                 <a:cs typeface="Times New Roman" panose="02020603050405020304" pitchFamily="18" charset="0"/>
               </a:rPr>
-              <a:t>: Works well on both mobile and desktop</a:t>
-            </a:r>
-          </a:p>
-          <a:p>
-            <a:r>
-              <a:rPr lang="en" b="1" dirty="0">
+              <a:t>Responsive design : Works well on both mobile and desktop</a:t>
+            </a:r>
+          </a:p>
+          <a:p>
+            <a:r>
+              <a:rPr lang="en" dirty="0">
                 <a:latin typeface="Times New Roman" panose="02020603050405020304" pitchFamily="18" charset="0"/>
                 <a:cs typeface="Times New Roman" panose="02020603050405020304" pitchFamily="18" charset="0"/>
               </a:rPr>
@@ -7360,7 +7050,7 @@
           </a:p>
           <a:p>
             <a:r>
-              <a:rPr lang="en" b="1" dirty="0">
+              <a:rPr lang="en" dirty="0">
                 <a:latin typeface="Times New Roman" panose="02020603050405020304" pitchFamily="18" charset="0"/>
                 <a:cs typeface="Times New Roman" panose="02020603050405020304" pitchFamily="18" charset="0"/>
               </a:rPr>
@@ -7373,7 +7063,7 @@
           </a:p>
           <a:p>
             <a:r>
-              <a:rPr lang="en" b="1" dirty="0">
+              <a:rPr lang="en" dirty="0">
                 <a:latin typeface="Times New Roman" panose="02020603050405020304" pitchFamily="18" charset="0"/>
                 <a:cs typeface="Times New Roman" panose="02020603050405020304" pitchFamily="18" charset="0"/>
               </a:rPr>
@@ -7476,42 +7166,655 @@
         </p:spPr>
         <p:txBody>
           <a:bodyPr>
-            <a:normAutofit fontScale="92500" lnSpcReduction="10000"/>
+            <a:normAutofit/>
           </a:bodyPr>
           <a:lstStyle/>
           <a:p>
-            <a:r>
-              <a:rPr lang="en-US" dirty="0"/>
-              <a:t>React tests typically test the functionality and appearance of React applications or components. Tests are typically run automatically and can be divided into two main types: unit tests and integration tests.</a:t>
-            </a:r>
-            <a:endParaRPr lang="hu-HU" dirty="0"/>
-          </a:p>
-          <a:p>
-            <a:r>
-              <a:rPr lang="en-US" dirty="0"/>
-              <a:t>Unit tests test specific parts of React components or functions, such as the state of a component or the return value of a function. Unit tests are used to verify that components and functions work correctly and return the correct data.</a:t>
-            </a:r>
-            <a:endParaRPr lang="hu-HU" dirty="0"/>
-          </a:p>
-          <a:p>
-            <a:r>
-              <a:rPr lang="en-US" dirty="0"/>
-              <a:t>Integration tests test the interaction of individual components and the operation of the system as a whole. Integration tests also check the overall interaction of individual components, as well as external dependencies such as APIs and databases.</a:t>
-            </a:r>
-            <a:endParaRPr lang="hu-HU" dirty="0"/>
-          </a:p>
-          <a:p>
-            <a:r>
-              <a:rPr lang="en-US" dirty="0"/>
-              <a:t>There are several testing frameworks available for running React tests, such as Jest or Enzyme. Such testing frameworks allow you to easily and efficiently create, run, and analyze the results of your tests.</a:t>
-            </a:r>
-            <a:endParaRPr lang="hu-HU" dirty="0"/>
-          </a:p>
-          <a:p>
-            <a:r>
-              <a:rPr lang="en-US" dirty="0"/>
-              <a:t>Overall, React tests are very important for ensuring the quality of applications, and developers should take a detailed look at testing frameworks and tools for efficient and reliable testing.</a:t>
-            </a:r>
+            <a:pPr marL="0" lvl="0" indent="0" eaLnBrk="0" fontAlgn="base" hangingPunct="0">
+              <a:lnSpc>
+                <a:spcPct val="100000"/>
+              </a:lnSpc>
+              <a:spcBef>
+                <a:spcPct val="0"/>
+              </a:spcBef>
+              <a:spcAft>
+                <a:spcPct val="0"/>
+              </a:spcAft>
+              <a:buFontTx/>
+              <a:buChar char="•"/>
+            </a:pPr>
+            <a:r>
+              <a:rPr lang="hu-HU" altLang="hu-HU" sz="2000" dirty="0">
+                <a:solidFill>
+                  <a:schemeClr val="tx1"/>
+                </a:solidFill>
+                <a:latin typeface="Times New Roman" panose="02020603050405020304" pitchFamily="18" charset="0"/>
+                <a:cs typeface="Times New Roman" panose="02020603050405020304" pitchFamily="18" charset="0"/>
+              </a:rPr>
+              <a:t>Testing </a:t>
+            </a:r>
+            <a:r>
+              <a:rPr lang="hu-HU" altLang="hu-HU" sz="2000" dirty="0" err="1">
+                <a:solidFill>
+                  <a:schemeClr val="tx1"/>
+                </a:solidFill>
+                <a:latin typeface="Times New Roman" panose="02020603050405020304" pitchFamily="18" charset="0"/>
+                <a:cs typeface="Times New Roman" panose="02020603050405020304" pitchFamily="18" charset="0"/>
+              </a:rPr>
+              <a:t>functionality</a:t>
+            </a:r>
+            <a:r>
+              <a:rPr lang="hu-HU" altLang="hu-HU" sz="2000" dirty="0">
+                <a:solidFill>
+                  <a:schemeClr val="tx1"/>
+                </a:solidFill>
+                <a:latin typeface="Times New Roman" panose="02020603050405020304" pitchFamily="18" charset="0"/>
+                <a:cs typeface="Times New Roman" panose="02020603050405020304" pitchFamily="18" charset="0"/>
+              </a:rPr>
+              <a:t> and </a:t>
+            </a:r>
+            <a:r>
+              <a:rPr lang="hu-HU" altLang="hu-HU" sz="2000" dirty="0" err="1">
+                <a:solidFill>
+                  <a:schemeClr val="tx1"/>
+                </a:solidFill>
+                <a:latin typeface="Times New Roman" panose="02020603050405020304" pitchFamily="18" charset="0"/>
+                <a:cs typeface="Times New Roman" panose="02020603050405020304" pitchFamily="18" charset="0"/>
+              </a:rPr>
+              <a:t>appearance</a:t>
+            </a:r>
+            <a:endParaRPr lang="hu-HU" altLang="hu-HU" sz="2000" dirty="0">
+              <a:solidFill>
+                <a:schemeClr val="tx1"/>
+              </a:solidFill>
+              <a:latin typeface="Times New Roman" panose="02020603050405020304" pitchFamily="18" charset="0"/>
+              <a:cs typeface="Times New Roman" panose="02020603050405020304" pitchFamily="18" charset="0"/>
+            </a:endParaRPr>
+          </a:p>
+          <a:p>
+            <a:pPr marL="0" lvl="0" indent="0" eaLnBrk="0" fontAlgn="base" hangingPunct="0">
+              <a:lnSpc>
+                <a:spcPct val="100000"/>
+              </a:lnSpc>
+              <a:spcBef>
+                <a:spcPct val="0"/>
+              </a:spcBef>
+              <a:spcAft>
+                <a:spcPct val="0"/>
+              </a:spcAft>
+              <a:buFontTx/>
+              <a:buChar char="•"/>
+            </a:pPr>
+            <a:r>
+              <a:rPr lang="hu-HU" altLang="hu-HU" sz="2000" dirty="0" err="1">
+                <a:solidFill>
+                  <a:schemeClr val="tx1"/>
+                </a:solidFill>
+                <a:latin typeface="Times New Roman" panose="02020603050405020304" pitchFamily="18" charset="0"/>
+                <a:cs typeface="Times New Roman" panose="02020603050405020304" pitchFamily="18" charset="0"/>
+              </a:rPr>
+              <a:t>Types</a:t>
+            </a:r>
+            <a:r>
+              <a:rPr lang="hu-HU" altLang="hu-HU" sz="2000" dirty="0">
+                <a:solidFill>
+                  <a:schemeClr val="tx1"/>
+                </a:solidFill>
+                <a:latin typeface="Times New Roman" panose="02020603050405020304" pitchFamily="18" charset="0"/>
+                <a:cs typeface="Times New Roman" panose="02020603050405020304" pitchFamily="18" charset="0"/>
+              </a:rPr>
+              <a:t> of </a:t>
+            </a:r>
+            <a:r>
+              <a:rPr lang="hu-HU" altLang="hu-HU" sz="2000" dirty="0" err="1">
+                <a:solidFill>
+                  <a:schemeClr val="tx1"/>
+                </a:solidFill>
+                <a:latin typeface="Times New Roman" panose="02020603050405020304" pitchFamily="18" charset="0"/>
+                <a:cs typeface="Times New Roman" panose="02020603050405020304" pitchFamily="18" charset="0"/>
+              </a:rPr>
+              <a:t>tests</a:t>
+            </a:r>
+            <a:r>
+              <a:rPr lang="hu-HU" altLang="hu-HU" sz="2000" dirty="0">
+                <a:solidFill>
+                  <a:schemeClr val="tx1"/>
+                </a:solidFill>
+                <a:latin typeface="Times New Roman" panose="02020603050405020304" pitchFamily="18" charset="0"/>
+                <a:cs typeface="Times New Roman" panose="02020603050405020304" pitchFamily="18" charset="0"/>
+              </a:rPr>
+              <a:t>:</a:t>
+            </a:r>
+          </a:p>
+          <a:p>
+            <a:pPr marL="457200" lvl="2" indent="0" eaLnBrk="0" fontAlgn="base" hangingPunct="0">
+              <a:lnSpc>
+                <a:spcPct val="100000"/>
+              </a:lnSpc>
+              <a:spcBef>
+                <a:spcPct val="0"/>
+              </a:spcBef>
+              <a:spcAft>
+                <a:spcPct val="0"/>
+              </a:spcAft>
+              <a:buFontTx/>
+              <a:buChar char="•"/>
+            </a:pPr>
+            <a:r>
+              <a:rPr lang="hu-HU" altLang="hu-HU" dirty="0">
+                <a:solidFill>
+                  <a:schemeClr val="tx1"/>
+                </a:solidFill>
+                <a:latin typeface="Times New Roman" panose="02020603050405020304" pitchFamily="18" charset="0"/>
+                <a:cs typeface="Times New Roman" panose="02020603050405020304" pitchFamily="18" charset="0"/>
+              </a:rPr>
+              <a:t>Unit </a:t>
+            </a:r>
+            <a:r>
+              <a:rPr lang="hu-HU" altLang="hu-HU" dirty="0" err="1">
+                <a:solidFill>
+                  <a:schemeClr val="tx1"/>
+                </a:solidFill>
+                <a:latin typeface="Times New Roman" panose="02020603050405020304" pitchFamily="18" charset="0"/>
+                <a:cs typeface="Times New Roman" panose="02020603050405020304" pitchFamily="18" charset="0"/>
+              </a:rPr>
+              <a:t>tests</a:t>
+            </a:r>
+            <a:r>
+              <a:rPr lang="hu-HU" altLang="hu-HU" dirty="0">
+                <a:solidFill>
+                  <a:schemeClr val="tx1"/>
+                </a:solidFill>
+                <a:latin typeface="Times New Roman" panose="02020603050405020304" pitchFamily="18" charset="0"/>
+                <a:cs typeface="Times New Roman" panose="02020603050405020304" pitchFamily="18" charset="0"/>
+              </a:rPr>
+              <a:t> (</a:t>
+            </a:r>
+            <a:r>
+              <a:rPr lang="hu-HU" altLang="hu-HU" dirty="0" err="1">
+                <a:solidFill>
+                  <a:schemeClr val="tx1"/>
+                </a:solidFill>
+                <a:latin typeface="Times New Roman" panose="02020603050405020304" pitchFamily="18" charset="0"/>
+                <a:cs typeface="Times New Roman" panose="02020603050405020304" pitchFamily="18" charset="0"/>
+              </a:rPr>
+              <a:t>component</a:t>
+            </a:r>
+            <a:r>
+              <a:rPr lang="hu-HU" altLang="hu-HU" dirty="0">
+                <a:solidFill>
+                  <a:schemeClr val="tx1"/>
+                </a:solidFill>
+                <a:latin typeface="Times New Roman" panose="02020603050405020304" pitchFamily="18" charset="0"/>
+                <a:cs typeface="Times New Roman" panose="02020603050405020304" pitchFamily="18" charset="0"/>
+              </a:rPr>
+              <a:t> </a:t>
+            </a:r>
+            <a:r>
+              <a:rPr lang="hu-HU" altLang="hu-HU" dirty="0" err="1">
+                <a:solidFill>
+                  <a:schemeClr val="tx1"/>
+                </a:solidFill>
+                <a:latin typeface="Times New Roman" panose="02020603050405020304" pitchFamily="18" charset="0"/>
+                <a:cs typeface="Times New Roman" panose="02020603050405020304" pitchFamily="18" charset="0"/>
+              </a:rPr>
+              <a:t>state</a:t>
+            </a:r>
+            <a:r>
+              <a:rPr lang="hu-HU" altLang="hu-HU" dirty="0">
+                <a:solidFill>
+                  <a:schemeClr val="tx1"/>
+                </a:solidFill>
+                <a:latin typeface="Times New Roman" panose="02020603050405020304" pitchFamily="18" charset="0"/>
+                <a:cs typeface="Times New Roman" panose="02020603050405020304" pitchFamily="18" charset="0"/>
+              </a:rPr>
+              <a:t>, </a:t>
+            </a:r>
+            <a:r>
+              <a:rPr lang="hu-HU" altLang="hu-HU" dirty="0" err="1">
+                <a:solidFill>
+                  <a:schemeClr val="tx1"/>
+                </a:solidFill>
+                <a:latin typeface="Times New Roman" panose="02020603050405020304" pitchFamily="18" charset="0"/>
+                <a:cs typeface="Times New Roman" panose="02020603050405020304" pitchFamily="18" charset="0"/>
+              </a:rPr>
+              <a:t>return</a:t>
+            </a:r>
+            <a:r>
+              <a:rPr lang="hu-HU" altLang="hu-HU" dirty="0">
+                <a:solidFill>
+                  <a:schemeClr val="tx1"/>
+                </a:solidFill>
+                <a:latin typeface="Times New Roman" panose="02020603050405020304" pitchFamily="18" charset="0"/>
+                <a:cs typeface="Times New Roman" panose="02020603050405020304" pitchFamily="18" charset="0"/>
+              </a:rPr>
+              <a:t> </a:t>
+            </a:r>
+            <a:r>
+              <a:rPr lang="hu-HU" altLang="hu-HU" dirty="0" err="1">
+                <a:solidFill>
+                  <a:schemeClr val="tx1"/>
+                </a:solidFill>
+                <a:latin typeface="Times New Roman" panose="02020603050405020304" pitchFamily="18" charset="0"/>
+                <a:cs typeface="Times New Roman" panose="02020603050405020304" pitchFamily="18" charset="0"/>
+              </a:rPr>
+              <a:t>values</a:t>
+            </a:r>
+            <a:r>
+              <a:rPr lang="hu-HU" altLang="hu-HU" dirty="0">
+                <a:solidFill>
+                  <a:schemeClr val="tx1"/>
+                </a:solidFill>
+                <a:latin typeface="Times New Roman" panose="02020603050405020304" pitchFamily="18" charset="0"/>
+                <a:cs typeface="Times New Roman" panose="02020603050405020304" pitchFamily="18" charset="0"/>
+              </a:rPr>
+              <a:t>)</a:t>
+            </a:r>
+          </a:p>
+          <a:p>
+            <a:pPr marL="457200" lvl="2" indent="0" eaLnBrk="0" fontAlgn="base" hangingPunct="0">
+              <a:lnSpc>
+                <a:spcPct val="100000"/>
+              </a:lnSpc>
+              <a:spcBef>
+                <a:spcPct val="0"/>
+              </a:spcBef>
+              <a:spcAft>
+                <a:spcPct val="0"/>
+              </a:spcAft>
+              <a:buFontTx/>
+              <a:buChar char="•"/>
+            </a:pPr>
+            <a:r>
+              <a:rPr lang="hu-HU" altLang="hu-HU" dirty="0" err="1">
+                <a:solidFill>
+                  <a:schemeClr val="tx1"/>
+                </a:solidFill>
+                <a:latin typeface="Times New Roman" panose="02020603050405020304" pitchFamily="18" charset="0"/>
+                <a:cs typeface="Times New Roman" panose="02020603050405020304" pitchFamily="18" charset="0"/>
+              </a:rPr>
+              <a:t>Integration</a:t>
+            </a:r>
+            <a:r>
+              <a:rPr lang="hu-HU" altLang="hu-HU" dirty="0">
+                <a:solidFill>
+                  <a:schemeClr val="tx1"/>
+                </a:solidFill>
+                <a:latin typeface="Times New Roman" panose="02020603050405020304" pitchFamily="18" charset="0"/>
+                <a:cs typeface="Times New Roman" panose="02020603050405020304" pitchFamily="18" charset="0"/>
+              </a:rPr>
+              <a:t> </a:t>
+            </a:r>
+            <a:r>
+              <a:rPr lang="hu-HU" altLang="hu-HU" dirty="0" err="1">
+                <a:solidFill>
+                  <a:schemeClr val="tx1"/>
+                </a:solidFill>
+                <a:latin typeface="Times New Roman" panose="02020603050405020304" pitchFamily="18" charset="0"/>
+                <a:cs typeface="Times New Roman" panose="02020603050405020304" pitchFamily="18" charset="0"/>
+              </a:rPr>
+              <a:t>tests</a:t>
+            </a:r>
+            <a:r>
+              <a:rPr lang="hu-HU" altLang="hu-HU" dirty="0">
+                <a:solidFill>
+                  <a:schemeClr val="tx1"/>
+                </a:solidFill>
+                <a:latin typeface="Times New Roman" panose="02020603050405020304" pitchFamily="18" charset="0"/>
+                <a:cs typeface="Times New Roman" panose="02020603050405020304" pitchFamily="18" charset="0"/>
+              </a:rPr>
+              <a:t> (</a:t>
+            </a:r>
+            <a:r>
+              <a:rPr lang="hu-HU" altLang="hu-HU" dirty="0" err="1">
+                <a:solidFill>
+                  <a:schemeClr val="tx1"/>
+                </a:solidFill>
+                <a:latin typeface="Times New Roman" panose="02020603050405020304" pitchFamily="18" charset="0"/>
+                <a:cs typeface="Times New Roman" panose="02020603050405020304" pitchFamily="18" charset="0"/>
+              </a:rPr>
+              <a:t>component</a:t>
+            </a:r>
+            <a:r>
+              <a:rPr lang="hu-HU" altLang="hu-HU" dirty="0">
+                <a:solidFill>
+                  <a:schemeClr val="tx1"/>
+                </a:solidFill>
+                <a:latin typeface="Times New Roman" panose="02020603050405020304" pitchFamily="18" charset="0"/>
+                <a:cs typeface="Times New Roman" panose="02020603050405020304" pitchFamily="18" charset="0"/>
+              </a:rPr>
+              <a:t> </a:t>
+            </a:r>
+            <a:r>
+              <a:rPr lang="hu-HU" altLang="hu-HU" dirty="0" err="1">
+                <a:solidFill>
+                  <a:schemeClr val="tx1"/>
+                </a:solidFill>
+                <a:latin typeface="Times New Roman" panose="02020603050405020304" pitchFamily="18" charset="0"/>
+                <a:cs typeface="Times New Roman" panose="02020603050405020304" pitchFamily="18" charset="0"/>
+              </a:rPr>
+              <a:t>interaction</a:t>
+            </a:r>
+            <a:r>
+              <a:rPr lang="hu-HU" altLang="hu-HU" dirty="0">
+                <a:solidFill>
+                  <a:schemeClr val="tx1"/>
+                </a:solidFill>
+                <a:latin typeface="Times New Roman" panose="02020603050405020304" pitchFamily="18" charset="0"/>
+                <a:cs typeface="Times New Roman" panose="02020603050405020304" pitchFamily="18" charset="0"/>
+              </a:rPr>
+              <a:t>, </a:t>
+            </a:r>
+            <a:r>
+              <a:rPr lang="hu-HU" altLang="hu-HU" dirty="0" err="1">
+                <a:solidFill>
+                  <a:schemeClr val="tx1"/>
+                </a:solidFill>
+                <a:latin typeface="Times New Roman" panose="02020603050405020304" pitchFamily="18" charset="0"/>
+                <a:cs typeface="Times New Roman" panose="02020603050405020304" pitchFamily="18" charset="0"/>
+              </a:rPr>
+              <a:t>external</a:t>
+            </a:r>
+            <a:r>
+              <a:rPr lang="hu-HU" altLang="hu-HU" dirty="0">
+                <a:solidFill>
+                  <a:schemeClr val="tx1"/>
+                </a:solidFill>
+                <a:latin typeface="Times New Roman" panose="02020603050405020304" pitchFamily="18" charset="0"/>
+                <a:cs typeface="Times New Roman" panose="02020603050405020304" pitchFamily="18" charset="0"/>
+              </a:rPr>
+              <a:t> </a:t>
+            </a:r>
+            <a:r>
+              <a:rPr lang="hu-HU" altLang="hu-HU" dirty="0" err="1">
+                <a:solidFill>
+                  <a:schemeClr val="tx1"/>
+                </a:solidFill>
+                <a:latin typeface="Times New Roman" panose="02020603050405020304" pitchFamily="18" charset="0"/>
+                <a:cs typeface="Times New Roman" panose="02020603050405020304" pitchFamily="18" charset="0"/>
+              </a:rPr>
+              <a:t>APIs</a:t>
+            </a:r>
+            <a:r>
+              <a:rPr lang="hu-HU" altLang="hu-HU" dirty="0">
+                <a:solidFill>
+                  <a:schemeClr val="tx1"/>
+                </a:solidFill>
+                <a:latin typeface="Times New Roman" panose="02020603050405020304" pitchFamily="18" charset="0"/>
+                <a:cs typeface="Times New Roman" panose="02020603050405020304" pitchFamily="18" charset="0"/>
+              </a:rPr>
+              <a:t>)</a:t>
+            </a:r>
+          </a:p>
+          <a:p>
+            <a:pPr marL="0" lvl="0" indent="0" eaLnBrk="0" fontAlgn="base" hangingPunct="0">
+              <a:lnSpc>
+                <a:spcPct val="100000"/>
+              </a:lnSpc>
+              <a:spcBef>
+                <a:spcPct val="0"/>
+              </a:spcBef>
+              <a:spcAft>
+                <a:spcPct val="0"/>
+              </a:spcAft>
+              <a:buFontTx/>
+              <a:buChar char="•"/>
+            </a:pPr>
+            <a:r>
+              <a:rPr lang="hu-HU" altLang="hu-HU" sz="2000" dirty="0">
+                <a:solidFill>
+                  <a:schemeClr val="tx1"/>
+                </a:solidFill>
+                <a:latin typeface="Times New Roman" panose="02020603050405020304" pitchFamily="18" charset="0"/>
+                <a:cs typeface="Times New Roman" panose="02020603050405020304" pitchFamily="18" charset="0"/>
+              </a:rPr>
+              <a:t>Testing </a:t>
+            </a:r>
+            <a:r>
+              <a:rPr lang="hu-HU" altLang="hu-HU" sz="2000" dirty="0" err="1">
+                <a:solidFill>
+                  <a:schemeClr val="tx1"/>
+                </a:solidFill>
+                <a:latin typeface="Times New Roman" panose="02020603050405020304" pitchFamily="18" charset="0"/>
+                <a:cs typeface="Times New Roman" panose="02020603050405020304" pitchFamily="18" charset="0"/>
+              </a:rPr>
+              <a:t>frameworks</a:t>
+            </a:r>
+            <a:r>
+              <a:rPr lang="hu-HU" altLang="hu-HU" sz="2000" dirty="0">
+                <a:solidFill>
+                  <a:schemeClr val="tx1"/>
+                </a:solidFill>
+                <a:latin typeface="Times New Roman" panose="02020603050405020304" pitchFamily="18" charset="0"/>
+                <a:cs typeface="Times New Roman" panose="02020603050405020304" pitchFamily="18" charset="0"/>
+              </a:rPr>
+              <a:t>:</a:t>
+            </a:r>
+          </a:p>
+          <a:p>
+            <a:pPr marL="457200" lvl="2" indent="0" eaLnBrk="0" fontAlgn="base" hangingPunct="0">
+              <a:lnSpc>
+                <a:spcPct val="100000"/>
+              </a:lnSpc>
+              <a:spcBef>
+                <a:spcPct val="0"/>
+              </a:spcBef>
+              <a:spcAft>
+                <a:spcPct val="0"/>
+              </a:spcAft>
+              <a:buFontTx/>
+              <a:buChar char="•"/>
+            </a:pPr>
+            <a:r>
+              <a:rPr lang="hu-HU" altLang="hu-HU" dirty="0" err="1">
+                <a:solidFill>
+                  <a:schemeClr val="tx1"/>
+                </a:solidFill>
+                <a:latin typeface="Times New Roman" panose="02020603050405020304" pitchFamily="18" charset="0"/>
+                <a:cs typeface="Times New Roman" panose="02020603050405020304" pitchFamily="18" charset="0"/>
+              </a:rPr>
+              <a:t>Jest</a:t>
+            </a:r>
+            <a:endParaRPr lang="hu-HU" altLang="hu-HU" dirty="0">
+              <a:solidFill>
+                <a:schemeClr val="tx1"/>
+              </a:solidFill>
+              <a:latin typeface="Times New Roman" panose="02020603050405020304" pitchFamily="18" charset="0"/>
+              <a:cs typeface="Times New Roman" panose="02020603050405020304" pitchFamily="18" charset="0"/>
+            </a:endParaRPr>
+          </a:p>
+          <a:p>
+            <a:pPr marL="457200" lvl="2" indent="0" eaLnBrk="0" fontAlgn="base" hangingPunct="0">
+              <a:lnSpc>
+                <a:spcPct val="100000"/>
+              </a:lnSpc>
+              <a:spcBef>
+                <a:spcPct val="0"/>
+              </a:spcBef>
+              <a:spcAft>
+                <a:spcPct val="0"/>
+              </a:spcAft>
+              <a:buFontTx/>
+              <a:buChar char="•"/>
+            </a:pPr>
+            <a:r>
+              <a:rPr lang="hu-HU" altLang="hu-HU" dirty="0" err="1">
+                <a:solidFill>
+                  <a:schemeClr val="tx1"/>
+                </a:solidFill>
+                <a:latin typeface="Times New Roman" panose="02020603050405020304" pitchFamily="18" charset="0"/>
+                <a:cs typeface="Times New Roman" panose="02020603050405020304" pitchFamily="18" charset="0"/>
+              </a:rPr>
+              <a:t>Enzyme</a:t>
+            </a:r>
+            <a:endParaRPr lang="hu-HU" altLang="hu-HU" dirty="0">
+              <a:solidFill>
+                <a:schemeClr val="tx1"/>
+              </a:solidFill>
+              <a:latin typeface="Times New Roman" panose="02020603050405020304" pitchFamily="18" charset="0"/>
+              <a:cs typeface="Times New Roman" panose="02020603050405020304" pitchFamily="18" charset="0"/>
+            </a:endParaRPr>
+          </a:p>
+          <a:p>
+            <a:pPr marL="0" lvl="0" indent="0" eaLnBrk="0" fontAlgn="base" hangingPunct="0">
+              <a:lnSpc>
+                <a:spcPct val="100000"/>
+              </a:lnSpc>
+              <a:spcBef>
+                <a:spcPct val="0"/>
+              </a:spcBef>
+              <a:spcAft>
+                <a:spcPct val="0"/>
+              </a:spcAft>
+              <a:buFontTx/>
+              <a:buChar char="•"/>
+            </a:pPr>
+            <a:r>
+              <a:rPr lang="hu-HU" altLang="hu-HU" sz="2000" dirty="0" err="1">
+                <a:solidFill>
+                  <a:schemeClr val="tx1"/>
+                </a:solidFill>
+                <a:latin typeface="Times New Roman" panose="02020603050405020304" pitchFamily="18" charset="0"/>
+                <a:cs typeface="Times New Roman" panose="02020603050405020304" pitchFamily="18" charset="0"/>
+              </a:rPr>
+              <a:t>Importance</a:t>
+            </a:r>
+            <a:r>
+              <a:rPr lang="hu-HU" altLang="hu-HU" sz="2000" dirty="0">
+                <a:solidFill>
+                  <a:schemeClr val="tx1"/>
+                </a:solidFill>
+                <a:latin typeface="Times New Roman" panose="02020603050405020304" pitchFamily="18" charset="0"/>
+                <a:cs typeface="Times New Roman" panose="02020603050405020304" pitchFamily="18" charset="0"/>
+              </a:rPr>
+              <a:t>:</a:t>
+            </a:r>
+          </a:p>
+          <a:p>
+            <a:pPr marL="457200" lvl="2" indent="0" eaLnBrk="0" fontAlgn="base" hangingPunct="0">
+              <a:lnSpc>
+                <a:spcPct val="100000"/>
+              </a:lnSpc>
+              <a:spcBef>
+                <a:spcPct val="0"/>
+              </a:spcBef>
+              <a:spcAft>
+                <a:spcPct val="0"/>
+              </a:spcAft>
+              <a:buFontTx/>
+              <a:buChar char="•"/>
+            </a:pPr>
+            <a:r>
+              <a:rPr lang="hu-HU" altLang="hu-HU" dirty="0" err="1">
+                <a:solidFill>
+                  <a:schemeClr val="tx1"/>
+                </a:solidFill>
+                <a:latin typeface="Times New Roman" panose="02020603050405020304" pitchFamily="18" charset="0"/>
+                <a:cs typeface="Times New Roman" panose="02020603050405020304" pitchFamily="18" charset="0"/>
+              </a:rPr>
+              <a:t>Quality</a:t>
+            </a:r>
+            <a:r>
+              <a:rPr lang="hu-HU" altLang="hu-HU" dirty="0">
+                <a:solidFill>
+                  <a:schemeClr val="tx1"/>
+                </a:solidFill>
+                <a:latin typeface="Times New Roman" panose="02020603050405020304" pitchFamily="18" charset="0"/>
+                <a:cs typeface="Times New Roman" panose="02020603050405020304" pitchFamily="18" charset="0"/>
+              </a:rPr>
+              <a:t> </a:t>
+            </a:r>
+            <a:r>
+              <a:rPr lang="hu-HU" altLang="hu-HU" dirty="0" err="1">
+                <a:solidFill>
+                  <a:schemeClr val="tx1"/>
+                </a:solidFill>
+                <a:latin typeface="Times New Roman" panose="02020603050405020304" pitchFamily="18" charset="0"/>
+                <a:cs typeface="Times New Roman" panose="02020603050405020304" pitchFamily="18" charset="0"/>
+              </a:rPr>
+              <a:t>assurance</a:t>
+            </a:r>
+            <a:endParaRPr lang="hu-HU" altLang="hu-HU" dirty="0">
+              <a:solidFill>
+                <a:schemeClr val="tx1"/>
+              </a:solidFill>
+              <a:latin typeface="Times New Roman" panose="02020603050405020304" pitchFamily="18" charset="0"/>
+              <a:cs typeface="Times New Roman" panose="02020603050405020304" pitchFamily="18" charset="0"/>
+            </a:endParaRPr>
+          </a:p>
+          <a:p>
+            <a:pPr marL="457200" lvl="2" indent="0" eaLnBrk="0" fontAlgn="base" hangingPunct="0">
+              <a:lnSpc>
+                <a:spcPct val="100000"/>
+              </a:lnSpc>
+              <a:spcBef>
+                <a:spcPct val="0"/>
+              </a:spcBef>
+              <a:spcAft>
+                <a:spcPct val="0"/>
+              </a:spcAft>
+              <a:buFontTx/>
+              <a:buChar char="•"/>
+            </a:pPr>
+            <a:r>
+              <a:rPr lang="hu-HU" altLang="hu-HU" dirty="0" err="1">
+                <a:solidFill>
+                  <a:schemeClr val="tx1"/>
+                </a:solidFill>
+                <a:latin typeface="Times New Roman" panose="02020603050405020304" pitchFamily="18" charset="0"/>
+                <a:cs typeface="Times New Roman" panose="02020603050405020304" pitchFamily="18" charset="0"/>
+              </a:rPr>
+              <a:t>Reliable</a:t>
+            </a:r>
+            <a:r>
+              <a:rPr lang="hu-HU" altLang="hu-HU" dirty="0">
+                <a:solidFill>
+                  <a:schemeClr val="tx1"/>
+                </a:solidFill>
+                <a:latin typeface="Times New Roman" panose="02020603050405020304" pitchFamily="18" charset="0"/>
+                <a:cs typeface="Times New Roman" panose="02020603050405020304" pitchFamily="18" charset="0"/>
+              </a:rPr>
+              <a:t> </a:t>
+            </a:r>
+            <a:r>
+              <a:rPr lang="hu-HU" altLang="hu-HU" dirty="0" err="1">
+                <a:solidFill>
+                  <a:schemeClr val="tx1"/>
+                </a:solidFill>
+                <a:latin typeface="Times New Roman" panose="02020603050405020304" pitchFamily="18" charset="0"/>
+                <a:cs typeface="Times New Roman" panose="02020603050405020304" pitchFamily="18" charset="0"/>
+              </a:rPr>
+              <a:t>application</a:t>
+            </a:r>
+            <a:r>
+              <a:rPr lang="hu-HU" altLang="hu-HU" dirty="0">
+                <a:solidFill>
+                  <a:schemeClr val="tx1"/>
+                </a:solidFill>
+                <a:latin typeface="Times New Roman" panose="02020603050405020304" pitchFamily="18" charset="0"/>
+                <a:cs typeface="Times New Roman" panose="02020603050405020304" pitchFamily="18" charset="0"/>
+              </a:rPr>
+              <a:t> </a:t>
+            </a:r>
+            <a:r>
+              <a:rPr lang="hu-HU" altLang="hu-HU" dirty="0" err="1">
+                <a:solidFill>
+                  <a:schemeClr val="tx1"/>
+                </a:solidFill>
+                <a:latin typeface="Times New Roman" panose="02020603050405020304" pitchFamily="18" charset="0"/>
+                <a:cs typeface="Times New Roman" panose="02020603050405020304" pitchFamily="18" charset="0"/>
+              </a:rPr>
+              <a:t>development</a:t>
+            </a:r>
+            <a:endParaRPr lang="hu-HU" altLang="hu-HU" dirty="0">
+              <a:solidFill>
+                <a:schemeClr val="tx1"/>
+              </a:solidFill>
+              <a:latin typeface="Times New Roman" panose="02020603050405020304" pitchFamily="18" charset="0"/>
+              <a:cs typeface="Times New Roman" panose="02020603050405020304" pitchFamily="18" charset="0"/>
+            </a:endParaRPr>
+          </a:p>
+          <a:p>
             <a:endParaRPr lang="hu-HU" dirty="0"/>
           </a:p>
         </p:txBody>
@@ -8130,147 +8433,63 @@
         <p:spPr/>
         <p:txBody>
           <a:bodyPr>
-            <a:normAutofit fontScale="92500" lnSpcReduction="10000"/>
+            <a:normAutofit/>
           </a:bodyPr>
           <a:lstStyle/>
           <a:p>
-            <a:r>
-              <a:rPr lang="en-US" dirty="0"/>
-              <a:t>The aim of the Car Shop project was to create an online car parts </a:t>
-            </a:r>
-            <a:r>
-              <a:rPr lang="en-US" dirty="0" err="1"/>
+            <a:endParaRPr lang="hu-HU" dirty="0"/>
+          </a:p>
+          <a:p>
+            <a:endParaRPr lang="hu-HU" sz="2000" dirty="0">
+              <a:latin typeface="Times New Roman" panose="02020603050405020304" pitchFamily="18" charset="0"/>
+              <a:cs typeface="Times New Roman" panose="02020603050405020304" pitchFamily="18" charset="0"/>
+            </a:endParaRPr>
+          </a:p>
+          <a:p>
+            <a:r>
+              <a:rPr lang="en-US" sz="2000" dirty="0">
+                <a:latin typeface="Times New Roman" panose="02020603050405020304" pitchFamily="18" charset="0"/>
+                <a:cs typeface="Times New Roman" panose="02020603050405020304" pitchFamily="18" charset="0"/>
+              </a:rPr>
+              <a:t>Successful development of a BMW-specific </a:t>
+            </a:r>
+            <a:r>
+              <a:rPr lang="en-US" sz="2000" dirty="0" err="1">
+                <a:latin typeface="Times New Roman" panose="02020603050405020304" pitchFamily="18" charset="0"/>
+                <a:cs typeface="Times New Roman" panose="02020603050405020304" pitchFamily="18" charset="0"/>
+              </a:rPr>
               <a:t>webshop</a:t>
             </a:r>
-            <a:r>
-              <a:rPr lang="en-US" dirty="0"/>
-              <a:t> specifically aimed at BMW owners. The project was created as a team effort, and the development was carried out by Krisztina </a:t>
-            </a:r>
-            <a:r>
-              <a:rPr lang="en-US" dirty="0" err="1"/>
-              <a:t>Janka</a:t>
-            </a:r>
-            <a:r>
-              <a:rPr lang="en-US" dirty="0"/>
-              <a:t> Kolozsvári and László Pap in class 13/A of the Szigeti </a:t>
-            </a:r>
-            <a:r>
-              <a:rPr lang="en-US" dirty="0" err="1"/>
-              <a:t>Endre</a:t>
-            </a:r>
-            <a:r>
-              <a:rPr lang="en-US" dirty="0"/>
-              <a:t> </a:t>
-            </a:r>
-            <a:r>
-              <a:rPr lang="en-US" dirty="0" err="1"/>
-              <a:t>Technikum</a:t>
-            </a:r>
-            <a:r>
-              <a:rPr lang="en-US" dirty="0"/>
-              <a:t> of </a:t>
-            </a:r>
-            <a:r>
-              <a:rPr lang="en-US" dirty="0" err="1"/>
-              <a:t>Gyula</a:t>
-            </a:r>
-            <a:r>
-              <a:rPr lang="en-US" dirty="0"/>
-              <a:t> </a:t>
-            </a:r>
-            <a:r>
-              <a:rPr lang="en-US"/>
-              <a:t>SZC.During</a:t>
-            </a:r>
-            <a:r>
-              <a:rPr lang="en-US" dirty="0"/>
-              <a:t> the </a:t>
-            </a:r>
-            <a:r>
-              <a:rPr lang="en-US" dirty="0" err="1"/>
-              <a:t>development:Visual</a:t>
-            </a:r>
-            <a:r>
-              <a:rPr lang="en-US" dirty="0"/>
-              <a:t> Studio Code was the main development </a:t>
-            </a:r>
-            <a:r>
-              <a:rPr lang="en-US" dirty="0" err="1"/>
-              <a:t>environment,We</a:t>
-            </a:r>
-            <a:r>
-              <a:rPr lang="en-US" dirty="0"/>
-              <a:t> used Node.js to run the backend and React for the </a:t>
-            </a:r>
-            <a:r>
-              <a:rPr lang="en-US" dirty="0" err="1"/>
-              <a:t>frontend,We</a:t>
-            </a:r>
-            <a:r>
-              <a:rPr lang="en-US" dirty="0"/>
-              <a:t> used dbdiagram.io for database </a:t>
-            </a:r>
-            <a:r>
-              <a:rPr lang="en-US" dirty="0" err="1"/>
-              <a:t>design.During</a:t>
-            </a:r>
-            <a:r>
-              <a:rPr lang="en-US" dirty="0"/>
-              <a:t> the project, we </a:t>
-            </a:r>
-            <a:r>
-              <a:rPr lang="en-US" dirty="0" err="1"/>
-              <a:t>created:user</a:t>
-            </a:r>
-            <a:r>
-              <a:rPr lang="en-US" dirty="0"/>
-              <a:t> and administrator functions (registration, login),interfaces suitable for managing products and </a:t>
-            </a:r>
-            <a:r>
-              <a:rPr lang="en-US" dirty="0" err="1"/>
-              <a:t>models,a</a:t>
-            </a:r>
-            <a:r>
-              <a:rPr lang="en-US" dirty="0"/>
-              <a:t> clean, modern design that reflects the BMW brand </a:t>
-            </a:r>
-            <a:r>
-              <a:rPr lang="en-US" dirty="0" err="1"/>
-              <a:t>image.During</a:t>
-            </a:r>
-            <a:r>
-              <a:rPr lang="en-US" dirty="0"/>
-              <a:t> testing, we created a test user and used React testing tools (e.g. Jest) to verify the correct operation of the </a:t>
-            </a:r>
-            <a:r>
-              <a:rPr lang="en-US" dirty="0" err="1"/>
-              <a:t>application.The</a:t>
-            </a:r>
-            <a:r>
-              <a:rPr lang="en-US" dirty="0"/>
-              <a:t> project is browser-based, so it can be accessed from any platform (e.g. Windows, macOS, mobile).During the work, we placed great emphasis on collaboration, shared our tasks, and solved emerging problems together. This teamwork was one of the most important foundations of the </a:t>
-            </a:r>
-            <a:r>
-              <a:rPr lang="en-US" dirty="0" err="1"/>
-              <a:t>project.Visszajelzés</a:t>
-            </a:r>
-            <a:r>
-              <a:rPr lang="en-US" dirty="0"/>
-              <a:t> </a:t>
-            </a:r>
-            <a:r>
-              <a:rPr lang="en-US" dirty="0" err="1"/>
-              <a:t>küldéseOldalsó</a:t>
-            </a:r>
-            <a:r>
-              <a:rPr lang="en-US" dirty="0"/>
-              <a:t> </a:t>
-            </a:r>
-            <a:r>
-              <a:rPr lang="en-US" dirty="0" err="1"/>
-              <a:t>panelekElőzményekMentve</a:t>
-            </a:r>
-            <a:endParaRPr lang="hu-HU" dirty="0"/>
+            <a:endParaRPr lang="hu-HU" sz="2000" dirty="0">
+              <a:latin typeface="Times New Roman" panose="02020603050405020304" pitchFamily="18" charset="0"/>
+              <a:cs typeface="Times New Roman" panose="02020603050405020304" pitchFamily="18" charset="0"/>
+            </a:endParaRPr>
+          </a:p>
+          <a:p>
+            <a:r>
+              <a:rPr lang="en-US" sz="2000" dirty="0">
+                <a:latin typeface="Times New Roman" panose="02020603050405020304" pitchFamily="18" charset="0"/>
+                <a:cs typeface="Times New Roman" panose="02020603050405020304" pitchFamily="18" charset="0"/>
+              </a:rPr>
+              <a:t>Modern, fast, secure system</a:t>
+            </a:r>
+            <a:endParaRPr lang="hu-HU" sz="2000" dirty="0">
+              <a:latin typeface="Times New Roman" panose="02020603050405020304" pitchFamily="18" charset="0"/>
+              <a:cs typeface="Times New Roman" panose="02020603050405020304" pitchFamily="18" charset="0"/>
+            </a:endParaRPr>
+          </a:p>
+          <a:p>
+            <a:r>
+              <a:rPr lang="en-US" sz="2000" dirty="0">
+                <a:latin typeface="Times New Roman" panose="02020603050405020304" pitchFamily="18" charset="0"/>
+                <a:cs typeface="Times New Roman" panose="02020603050405020304" pitchFamily="18" charset="0"/>
+              </a:rPr>
+              <a:t>Strong teamwork, joint problem solving</a:t>
+            </a:r>
+            <a:endParaRPr lang="hu-HU" sz="2000" dirty="0">
+              <a:latin typeface="Times New Roman" panose="02020603050405020304" pitchFamily="18" charset="0"/>
+              <a:cs typeface="Times New Roman" panose="02020603050405020304" pitchFamily="18" charset="0"/>
+            </a:endParaRPr>
           </a:p>
         </p:txBody>
       </p:sp>
@@ -8754,186 +8973,253 @@
       </p:pic>
       <p:sp>
         <p:nvSpPr>
-          <p:cNvPr id="6" name="Szövegdoboz 5">
+          <p:cNvPr id="4" name="Rectangle 2">
             <a:extLst>
               <a:ext uri="{FF2B5EF4-FFF2-40B4-BE49-F238E27FC236}">
-                <a16:creationId xmlns:a16="http://schemas.microsoft.com/office/drawing/2014/main" id="{3696E8F1-63FA-4625-BB52-4F5F4D55E4BC}"/>
+                <a16:creationId xmlns:a16="http://schemas.microsoft.com/office/drawing/2014/main" id="{C6AB2292-29EE-41EC-ABA4-B42AE9572CF7}"/>
               </a:ext>
             </a:extLst>
           </p:cNvPr>
-          <p:cNvSpPr txBox="1"/>
+          <p:cNvSpPr>
+            <a:spLocks noChangeArrowheads="1"/>
+          </p:cNvSpPr>
           <p:nvPr/>
         </p:nvSpPr>
-        <p:spPr>
+        <p:spPr bwMode="auto">
           <a:xfrm>
-            <a:off x="177384" y="1421832"/>
-            <a:ext cx="6569001" cy="4801314"/>
+            <a:off x="0" y="-184666"/>
+            <a:ext cx="341760" cy="369332"/>
           </a:xfrm>
           <a:prstGeom prst="rect">
             <a:avLst/>
           </a:prstGeom>
           <a:noFill/>
+          <a:ln>
+            <a:noFill/>
+          </a:ln>
+          <a:effectLst/>
+          <a:extLst>
+            <a:ext uri="{909E8E84-426E-40DD-AFC4-6F175D3DCCD1}">
+              <a14:hiddenFill xmlns:a14="http://schemas.microsoft.com/office/drawing/2010/main">
+                <a:solidFill>
+                  <a:schemeClr val="accent1"/>
+                </a:solidFill>
+              </a14:hiddenFill>
+            </a:ext>
+            <a:ext uri="{91240B29-F687-4F45-9708-019B960494DF}">
+              <a14:hiddenLine xmlns:a14="http://schemas.microsoft.com/office/drawing/2010/main" w="9525">
+                <a:solidFill>
+                  <a:schemeClr val="tx1"/>
+                </a:solidFill>
+                <a:miter lim="800000"/>
+                <a:headEnd/>
+                <a:tailEnd/>
+              </a14:hiddenLine>
+            </a:ext>
+            <a:ext uri="{AF507438-7753-43E0-B8FC-AC1667EBCBE1}">
+              <a14:hiddenEffects xmlns:a14="http://schemas.microsoft.com/office/drawing/2010/main">
+                <a:effectLst>
+                  <a:outerShdw dist="35921" dir="2700000" algn="ctr" rotWithShape="0">
+                    <a:schemeClr val="bg2"/>
+                  </a:outerShdw>
+                </a:effectLst>
+              </a14:hiddenEffects>
+            </a:ext>
+          </a:extLst>
         </p:spPr>
         <p:txBody>
-          <a:bodyPr wrap="square" rtlCol="0">
+          <a:bodyPr vert="horz" wrap="none" lIns="91440" tIns="45720" rIns="91440" bIns="45720" numCol="1" anchor="ctr" anchorCtr="0" compatLnSpc="1">
+            <a:prstTxWarp prst="textNoShape">
+              <a:avLst/>
+            </a:prstTxWarp>
             <a:spAutoFit/>
           </a:bodyPr>
           <a:lstStyle/>
           <a:p>
-            <a:r>
-              <a:rPr lang="hu-HU" dirty="0">
-                <a:latin typeface="Times New Roman" panose="02020603050405020304" pitchFamily="18" charset="0"/>
-                <a:cs typeface="Times New Roman" panose="02020603050405020304" pitchFamily="18" charset="0"/>
-              </a:rPr>
-              <a:t>Ez az adatbázis egy e-kereskedelmi rendszer struktúráját mutatja be. Az alábbi főbb táblákat tartalmazza:</a:t>
-            </a:r>
-          </a:p>
-          <a:p>
-            <a:r>
-              <a:rPr lang="hu-HU" b="1" dirty="0" err="1">
-                <a:latin typeface="Times New Roman" panose="02020603050405020304" pitchFamily="18" charset="0"/>
-                <a:cs typeface="Times New Roman" panose="02020603050405020304" pitchFamily="18" charset="0"/>
-              </a:rPr>
-              <a:t>users</a:t>
-            </a:r>
-            <a:r>
-              <a:rPr lang="hu-HU" b="1" dirty="0">
+            <a:pPr marL="0" marR="0" lvl="0" indent="0" algn="l" defTabSz="914400" rtl="0" eaLnBrk="0" fontAlgn="base" latinLnBrk="0" hangingPunct="0">
+              <a:lnSpc>
+                <a:spcPct val="100000"/>
+              </a:lnSpc>
+              <a:spcBef>
+                <a:spcPct val="0"/>
+              </a:spcBef>
+              <a:spcAft>
+                <a:spcPct val="0"/>
+              </a:spcAft>
+              <a:buClrTx/>
+              <a:buSzTx/>
+              <a:buFontTx/>
+              <a:buChar char="•"/>
+              <a:tabLst/>
+            </a:pPr>
+            <a:r>
+              <a:rPr kumimoji="0" lang="hu-HU" altLang="hu-HU" sz="1800" b="0" i="0" u="none" strike="noStrike" cap="none" normalizeH="0" baseline="0" dirty="0">
+                <a:ln>
+                  <a:noFill/>
+                </a:ln>
+                <a:solidFill>
+                  <a:schemeClr val="tx1"/>
+                </a:solidFill>
+                <a:effectLst/>
+                <a:latin typeface="Arial" panose="020B0604020202020204" pitchFamily="34" charset="0"/>
+              </a:rPr>
+              <a:t>)</a:t>
+            </a:r>
+          </a:p>
+        </p:txBody>
+      </p:sp>
+      <p:sp>
+        <p:nvSpPr>
+          <p:cNvPr id="7" name="Téglalap 6">
+            <a:extLst>
+              <a:ext uri="{FF2B5EF4-FFF2-40B4-BE49-F238E27FC236}">
+                <a16:creationId xmlns:a16="http://schemas.microsoft.com/office/drawing/2014/main" id="{AFD813C8-97F1-4A67-9067-7C4C39C226CD}"/>
+              </a:ext>
+            </a:extLst>
+          </p:cNvPr>
+          <p:cNvSpPr/>
+          <p:nvPr/>
+        </p:nvSpPr>
+        <p:spPr>
+          <a:xfrm>
+            <a:off x="170880" y="3125009"/>
+            <a:ext cx="6096001" cy="1631216"/>
+          </a:xfrm>
+          <a:prstGeom prst="rect">
+            <a:avLst/>
+          </a:prstGeom>
+        </p:spPr>
+        <p:txBody>
+          <a:bodyPr>
+            <a:spAutoFit/>
+          </a:bodyPr>
+          <a:lstStyle/>
+          <a:p>
+            <a:pPr lvl="0" defTabSz="914400" eaLnBrk="0" fontAlgn="base" hangingPunct="0">
+              <a:spcBef>
+                <a:spcPct val="0"/>
+              </a:spcBef>
+              <a:spcAft>
+                <a:spcPct val="0"/>
+              </a:spcAft>
+              <a:buFontTx/>
+              <a:buChar char="•"/>
+            </a:pPr>
+            <a:r>
+              <a:rPr lang="hu-HU" altLang="hu-HU" sz="2000" dirty="0" err="1">
+                <a:latin typeface="Times New Roman" panose="02020603050405020304" pitchFamily="18" charset="0"/>
+                <a:cs typeface="Times New Roman" panose="02020603050405020304" pitchFamily="18" charset="0"/>
+              </a:rPr>
+              <a:t>Users</a:t>
+            </a:r>
+            <a:r>
+              <a:rPr lang="hu-HU" altLang="hu-HU" sz="2000" dirty="0">
                 <a:latin typeface="Times New Roman" panose="02020603050405020304" pitchFamily="18" charset="0"/>
                 <a:cs typeface="Times New Roman" panose="02020603050405020304" pitchFamily="18" charset="0"/>
               </a:rPr>
               <a:t> (felhasználók)</a:t>
             </a:r>
-            <a:r>
-              <a:rPr lang="hu-HU" dirty="0">
-                <a:latin typeface="Times New Roman" panose="02020603050405020304" pitchFamily="18" charset="0"/>
-                <a:cs typeface="Times New Roman" panose="02020603050405020304" pitchFamily="18" charset="0"/>
-              </a:rPr>
-              <a:t>: A vásárlók adatait tárolja, mint például név, cím, e-mail és telefonszám.</a:t>
-            </a:r>
-          </a:p>
-          <a:p>
-            <a:r>
-              <a:rPr lang="hu-HU" b="1" dirty="0" err="1">
-                <a:latin typeface="Times New Roman" panose="02020603050405020304" pitchFamily="18" charset="0"/>
-                <a:cs typeface="Times New Roman" panose="02020603050405020304" pitchFamily="18" charset="0"/>
-              </a:rPr>
-              <a:t>orders</a:t>
-            </a:r>
-            <a:r>
-              <a:rPr lang="hu-HU" b="1" dirty="0">
+          </a:p>
+          <a:p>
+            <a:pPr lvl="0" defTabSz="914400" eaLnBrk="0" fontAlgn="base" hangingPunct="0">
+              <a:spcBef>
+                <a:spcPct val="0"/>
+              </a:spcBef>
+              <a:spcAft>
+                <a:spcPct val="0"/>
+              </a:spcAft>
+              <a:buFontTx/>
+              <a:buChar char="•"/>
+            </a:pPr>
+            <a:r>
+              <a:rPr lang="hu-HU" altLang="hu-HU" sz="2000" dirty="0" err="1">
+                <a:latin typeface="Times New Roman" panose="02020603050405020304" pitchFamily="18" charset="0"/>
+                <a:cs typeface="Times New Roman" panose="02020603050405020304" pitchFamily="18" charset="0"/>
+              </a:rPr>
+              <a:t>Orders</a:t>
+            </a:r>
+            <a:r>
+              <a:rPr lang="hu-HU" altLang="hu-HU" sz="2000" dirty="0">
                 <a:latin typeface="Times New Roman" panose="02020603050405020304" pitchFamily="18" charset="0"/>
                 <a:cs typeface="Times New Roman" panose="02020603050405020304" pitchFamily="18" charset="0"/>
               </a:rPr>
               <a:t> (rendelések)</a:t>
             </a:r>
-            <a:r>
-              <a:rPr lang="hu-HU" dirty="0">
-                <a:latin typeface="Times New Roman" panose="02020603050405020304" pitchFamily="18" charset="0"/>
-                <a:cs typeface="Times New Roman" panose="02020603050405020304" pitchFamily="18" charset="0"/>
-              </a:rPr>
-              <a:t>: A felhasználók rendeléseit tartalmazza, beleértve a szállítási adatokat, fizetési módot és rendelési dátumot.</a:t>
-            </a:r>
-          </a:p>
-          <a:p>
-            <a:r>
-              <a:rPr lang="hu-HU" b="1" dirty="0" err="1">
-                <a:latin typeface="Times New Roman" panose="02020603050405020304" pitchFamily="18" charset="0"/>
-                <a:cs typeface="Times New Roman" panose="02020603050405020304" pitchFamily="18" charset="0"/>
-              </a:rPr>
-              <a:t>orderDetails</a:t>
-            </a:r>
-            <a:r>
-              <a:rPr lang="hu-HU" b="1" dirty="0">
+          </a:p>
+          <a:p>
+            <a:pPr lvl="0" defTabSz="914400" eaLnBrk="0" fontAlgn="base" hangingPunct="0">
+              <a:spcBef>
+                <a:spcPct val="0"/>
+              </a:spcBef>
+              <a:spcAft>
+                <a:spcPct val="0"/>
+              </a:spcAft>
+              <a:buFontTx/>
+              <a:buChar char="•"/>
+            </a:pPr>
+            <a:r>
+              <a:rPr lang="hu-HU" altLang="hu-HU" sz="2000" dirty="0" err="1">
+                <a:latin typeface="Times New Roman" panose="02020603050405020304" pitchFamily="18" charset="0"/>
+                <a:cs typeface="Times New Roman" panose="02020603050405020304" pitchFamily="18" charset="0"/>
+              </a:rPr>
+              <a:t>OrderDetails</a:t>
+            </a:r>
+            <a:r>
+              <a:rPr lang="hu-HU" altLang="hu-HU" sz="2000" dirty="0">
                 <a:latin typeface="Times New Roman" panose="02020603050405020304" pitchFamily="18" charset="0"/>
                 <a:cs typeface="Times New Roman" panose="02020603050405020304" pitchFamily="18" charset="0"/>
               </a:rPr>
               <a:t> (rendelés részletei)</a:t>
             </a:r>
-            <a:r>
-              <a:rPr lang="hu-HU" dirty="0">
-                <a:latin typeface="Times New Roman" panose="02020603050405020304" pitchFamily="18" charset="0"/>
-                <a:cs typeface="Times New Roman" panose="02020603050405020304" pitchFamily="18" charset="0"/>
-              </a:rPr>
-              <a:t>: A rendelésekhez tartozó konkrét termékeket és azok mennyiségét rögzíti.</a:t>
-            </a:r>
-          </a:p>
-          <a:p>
-            <a:r>
-              <a:rPr lang="hu-HU" b="1" dirty="0" err="1">
-                <a:latin typeface="Times New Roman" panose="02020603050405020304" pitchFamily="18" charset="0"/>
-                <a:cs typeface="Times New Roman" panose="02020603050405020304" pitchFamily="18" charset="0"/>
-              </a:rPr>
-              <a:t>orderHistory</a:t>
-            </a:r>
-            <a:r>
-              <a:rPr lang="hu-HU" b="1" dirty="0">
-                <a:latin typeface="Times New Roman" panose="02020603050405020304" pitchFamily="18" charset="0"/>
-                <a:cs typeface="Times New Roman" panose="02020603050405020304" pitchFamily="18" charset="0"/>
-              </a:rPr>
-              <a:t> (rendeléstörténet)</a:t>
-            </a:r>
-            <a:r>
-              <a:rPr lang="hu-HU" dirty="0">
-                <a:latin typeface="Times New Roman" panose="02020603050405020304" pitchFamily="18" charset="0"/>
-                <a:cs typeface="Times New Roman" panose="02020603050405020304" pitchFamily="18" charset="0"/>
-              </a:rPr>
-              <a:t>: A rendelési előzmények naplózására szolgál.</a:t>
-            </a:r>
-          </a:p>
-          <a:p>
-            <a:r>
-              <a:rPr lang="hu-HU" b="1" dirty="0" err="1">
-                <a:latin typeface="Times New Roman" panose="02020603050405020304" pitchFamily="18" charset="0"/>
-                <a:cs typeface="Times New Roman" panose="02020603050405020304" pitchFamily="18" charset="0"/>
-              </a:rPr>
-              <a:t>products</a:t>
-            </a:r>
-            <a:r>
-              <a:rPr lang="hu-HU" b="1" dirty="0">
-                <a:latin typeface="Times New Roman" panose="02020603050405020304" pitchFamily="18" charset="0"/>
-                <a:cs typeface="Times New Roman" panose="02020603050405020304" pitchFamily="18" charset="0"/>
-              </a:rPr>
-              <a:t> (termékek)</a:t>
-            </a:r>
-            <a:r>
-              <a:rPr lang="hu-HU" dirty="0">
-                <a:latin typeface="Times New Roman" panose="02020603050405020304" pitchFamily="18" charset="0"/>
-                <a:cs typeface="Times New Roman" panose="02020603050405020304" pitchFamily="18" charset="0"/>
-              </a:rPr>
-              <a:t>: Az elérhető termékek adatait tartalmazza, például név, leírás, ár és elérhető mennyiség.</a:t>
-            </a:r>
-          </a:p>
-          <a:p>
-            <a:r>
-              <a:rPr lang="hu-HU" b="1" dirty="0" err="1">
-                <a:latin typeface="Times New Roman" panose="02020603050405020304" pitchFamily="18" charset="0"/>
-                <a:cs typeface="Times New Roman" panose="02020603050405020304" pitchFamily="18" charset="0"/>
-              </a:rPr>
-              <a:t>categories</a:t>
-            </a:r>
-            <a:r>
-              <a:rPr lang="hu-HU" b="1" dirty="0">
-                <a:latin typeface="Times New Roman" panose="02020603050405020304" pitchFamily="18" charset="0"/>
-                <a:cs typeface="Times New Roman" panose="02020603050405020304" pitchFamily="18" charset="0"/>
-              </a:rPr>
-              <a:t> (kategóriák)</a:t>
-            </a:r>
-            <a:r>
-              <a:rPr lang="hu-HU" dirty="0">
-                <a:latin typeface="Times New Roman" panose="02020603050405020304" pitchFamily="18" charset="0"/>
-                <a:cs typeface="Times New Roman" panose="02020603050405020304" pitchFamily="18" charset="0"/>
-              </a:rPr>
-              <a:t>: A termékek kategóriák szerinti besorolását segíti.</a:t>
-            </a:r>
-          </a:p>
-          <a:p>
-            <a:r>
-              <a:rPr lang="hu-HU" dirty="0">
-                <a:latin typeface="Times New Roman" panose="02020603050405020304" pitchFamily="18" charset="0"/>
-                <a:cs typeface="Times New Roman" panose="02020603050405020304" pitchFamily="18" charset="0"/>
-              </a:rPr>
-              <a:t>Az adatbázis relációi biztosítják az összekapcsolt információk kezelését, például a felhasználók rendeléseit és a termékek kategóriáit.</a:t>
-            </a:r>
+          </a:p>
+          <a:p>
+            <a:pPr lvl="0" defTabSz="914400" eaLnBrk="0" fontAlgn="base" hangingPunct="0">
+              <a:spcBef>
+                <a:spcPct val="0"/>
+              </a:spcBef>
+              <a:spcAft>
+                <a:spcPct val="0"/>
+              </a:spcAft>
+              <a:buFontTx/>
+              <a:buChar char="•"/>
+            </a:pPr>
+            <a:r>
+              <a:rPr lang="hu-HU" altLang="hu-HU" sz="2000" dirty="0">
+                <a:latin typeface="Times New Roman" panose="02020603050405020304" pitchFamily="18" charset="0"/>
+                <a:cs typeface="Times New Roman" panose="02020603050405020304" pitchFamily="18" charset="0"/>
+              </a:rPr>
+              <a:t>Products (termékek)</a:t>
+            </a:r>
+          </a:p>
+          <a:p>
+            <a:pPr lvl="0" defTabSz="914400" eaLnBrk="0" fontAlgn="base" hangingPunct="0">
+              <a:spcBef>
+                <a:spcPct val="0"/>
+              </a:spcBef>
+              <a:spcAft>
+                <a:spcPct val="0"/>
+              </a:spcAft>
+              <a:buFontTx/>
+              <a:buChar char="•"/>
+            </a:pPr>
+            <a:r>
+              <a:rPr lang="hu-HU" altLang="hu-HU" sz="2000" dirty="0" err="1">
+                <a:latin typeface="Times New Roman" panose="02020603050405020304" pitchFamily="18" charset="0"/>
+                <a:cs typeface="Times New Roman" panose="02020603050405020304" pitchFamily="18" charset="0"/>
+              </a:rPr>
+              <a:t>Categories</a:t>
+            </a:r>
+            <a:r>
+              <a:rPr lang="hu-HU" altLang="hu-HU" sz="2000" dirty="0">
+                <a:latin typeface="Times New Roman" panose="02020603050405020304" pitchFamily="18" charset="0"/>
+                <a:cs typeface="Times New Roman" panose="02020603050405020304" pitchFamily="18" charset="0"/>
+              </a:rPr>
+              <a:t> (kategóriák</a:t>
+            </a:r>
+            <a:endParaRPr lang="hu-HU" sz="2000" dirty="0">
+              <a:latin typeface="Times New Roman" panose="02020603050405020304" pitchFamily="18" charset="0"/>
+              <a:cs typeface="Times New Roman" panose="02020603050405020304" pitchFamily="18" charset="0"/>
+            </a:endParaRPr>
           </a:p>
         </p:txBody>
       </p:sp>
@@ -9022,7 +9308,7 @@
           <a:lstStyle/>
           <a:p>
             <a:r>
-              <a:rPr lang="hu-HU" sz="2000" b="1" dirty="0" err="1">
+              <a:rPr lang="hu-HU" sz="2000" dirty="0" err="1">
                 <a:latin typeface="Times New Roman" panose="02020603050405020304" pitchFamily="18" charset="0"/>
                 <a:cs typeface="Times New Roman" panose="02020603050405020304" pitchFamily="18" charset="0"/>
               </a:rPr>
@@ -9038,39 +9324,32 @@
           </a:p>
           <a:p>
             <a:r>
-              <a:rPr lang="hu-HU" sz="2000" b="1" dirty="0">
-                <a:latin typeface="Times New Roman" panose="02020603050405020304" pitchFamily="18" charset="0"/>
-                <a:cs typeface="Times New Roman" panose="02020603050405020304" pitchFamily="18" charset="0"/>
-              </a:rPr>
-              <a:t>Products</a:t>
-            </a:r>
-            <a:r>
               <a:rPr lang="hu-HU" sz="2000" dirty="0">
                 <a:latin typeface="Times New Roman" panose="02020603050405020304" pitchFamily="18" charset="0"/>
                 <a:cs typeface="Times New Roman" panose="02020603050405020304" pitchFamily="18" charset="0"/>
               </a:rPr>
+              <a:t>Products </a:t>
+            </a:r>
+          </a:p>
+          <a:p>
+            <a:r>
+              <a:rPr lang="hu-HU" sz="2000" dirty="0" err="1">
+                <a:latin typeface="Times New Roman" panose="02020603050405020304" pitchFamily="18" charset="0"/>
+                <a:cs typeface="Times New Roman" panose="02020603050405020304" pitchFamily="18" charset="0"/>
+              </a:rPr>
+              <a:t>Orders</a:t>
+            </a:r>
+            <a:r>
+              <a:rPr lang="hu-HU" sz="2000" dirty="0">
+                <a:latin typeface="Times New Roman" panose="02020603050405020304" pitchFamily="18" charset="0"/>
+                <a:cs typeface="Times New Roman" panose="02020603050405020304" pitchFamily="18" charset="0"/>
+              </a:rPr>
               <a:t> </a:t>
             </a:r>
           </a:p>
           <a:p>
             <a:r>
-              <a:rPr lang="hu-HU" sz="2000" b="1" dirty="0" err="1">
-                <a:latin typeface="Times New Roman" panose="02020603050405020304" pitchFamily="18" charset="0"/>
-                <a:cs typeface="Times New Roman" panose="02020603050405020304" pitchFamily="18" charset="0"/>
-              </a:rPr>
-              <a:t>Orders</a:t>
-            </a:r>
-            <a:r>
-              <a:rPr lang="hu-HU" sz="2000" dirty="0">
-                <a:latin typeface="Times New Roman" panose="02020603050405020304" pitchFamily="18" charset="0"/>
-                <a:cs typeface="Times New Roman" panose="02020603050405020304" pitchFamily="18" charset="0"/>
-              </a:rPr>
-              <a:t> </a:t>
-            </a:r>
-          </a:p>
-          <a:p>
-            <a:r>
-              <a:rPr lang="hu-HU" sz="2000" b="1" dirty="0" err="1">
+              <a:rPr lang="hu-HU" sz="2000" dirty="0" err="1">
                 <a:latin typeface="Times New Roman" panose="02020603050405020304" pitchFamily="18" charset="0"/>
                 <a:cs typeface="Times New Roman" panose="02020603050405020304" pitchFamily="18" charset="0"/>
               </a:rPr>
@@ -9460,26 +9739,103 @@
             </a:endParaRPr>
           </a:p>
           <a:p>
-            <a:r>
-              <a:rPr lang="hu-HU" sz="2000" dirty="0">
-                <a:latin typeface="Times New Roman" panose="02020603050405020304" pitchFamily="18" charset="0"/>
-                <a:cs typeface="Times New Roman" panose="02020603050405020304" pitchFamily="18" charset="0"/>
-              </a:rPr>
-              <a:t>Ez a főoldal egy BMW alkatrész webáruház </a:t>
-            </a:r>
-            <a:r>
-              <a:rPr lang="hu-HU" sz="2000" dirty="0" err="1">
-                <a:latin typeface="Times New Roman" panose="02020603050405020304" pitchFamily="18" charset="0"/>
-                <a:cs typeface="Times New Roman" panose="02020603050405020304" pitchFamily="18" charset="0"/>
-              </a:rPr>
-              <a:t>admin</a:t>
-            </a:r>
-            <a:r>
-              <a:rPr lang="hu-HU" sz="2000" dirty="0">
-                <a:latin typeface="Times New Roman" panose="02020603050405020304" pitchFamily="18" charset="0"/>
-                <a:cs typeface="Times New Roman" panose="02020603050405020304" pitchFamily="18" charset="0"/>
-              </a:rPr>
-              <a:t> felületét mutatja be. A bal oldali sávban található a navigációs menü, amely lehetőséget biztosít a termékek, modellek és rendelések kezelésére. A fő tartalmi rész a legfrissebb BMW híreket jeleníti meg, kiemelve az új modelleket és fejlesztéseket. Ezen kívül egy érdekességblokk is található az oldal alján, amely BMW-vel kapcsolatos tényeket oszt meg a felhasználóval.</a:t>
+            <a:pPr marL="0" lvl="0" indent="0" eaLnBrk="0" fontAlgn="base" hangingPunct="0">
+              <a:lnSpc>
+                <a:spcPct val="100000"/>
+              </a:lnSpc>
+              <a:spcBef>
+                <a:spcPct val="0"/>
+              </a:spcBef>
+              <a:spcAft>
+                <a:spcPct val="0"/>
+              </a:spcAft>
+              <a:buFontTx/>
+              <a:buChar char="•"/>
+            </a:pPr>
+            <a:r>
+              <a:rPr lang="hu-HU" altLang="hu-HU" sz="2000" dirty="0">
+                <a:solidFill>
+                  <a:schemeClr val="tx1"/>
+                </a:solidFill>
+                <a:latin typeface="Times New Roman" panose="02020603050405020304" pitchFamily="18" charset="0"/>
+                <a:cs typeface="Times New Roman" panose="02020603050405020304" pitchFamily="18" charset="0"/>
+              </a:rPr>
+              <a:t>Kezdőlap: Újdonságok, BMW hírek</a:t>
+            </a:r>
+          </a:p>
+          <a:p>
+            <a:pPr marL="0" lvl="0" indent="0" eaLnBrk="0" fontAlgn="base" hangingPunct="0">
+              <a:lnSpc>
+                <a:spcPct val="100000"/>
+              </a:lnSpc>
+              <a:spcBef>
+                <a:spcPct val="0"/>
+              </a:spcBef>
+              <a:spcAft>
+                <a:spcPct val="0"/>
+              </a:spcAft>
+              <a:buFontTx/>
+              <a:buChar char="•"/>
+            </a:pPr>
+            <a:r>
+              <a:rPr lang="hu-HU" altLang="hu-HU" sz="2000" dirty="0">
+                <a:solidFill>
+                  <a:schemeClr val="tx1"/>
+                </a:solidFill>
+                <a:latin typeface="Times New Roman" panose="02020603050405020304" pitchFamily="18" charset="0"/>
+                <a:cs typeface="Times New Roman" panose="02020603050405020304" pitchFamily="18" charset="0"/>
+              </a:rPr>
+              <a:t>Termékkategóriák: Alkatrészek modell szerint</a:t>
+            </a:r>
+          </a:p>
+          <a:p>
+            <a:pPr marL="0" lvl="0" indent="0" eaLnBrk="0" fontAlgn="base" hangingPunct="0">
+              <a:lnSpc>
+                <a:spcPct val="100000"/>
+              </a:lnSpc>
+              <a:spcBef>
+                <a:spcPct val="0"/>
+              </a:spcBef>
+              <a:spcAft>
+                <a:spcPct val="0"/>
+              </a:spcAft>
+              <a:buFontTx/>
+              <a:buChar char="•"/>
+            </a:pPr>
+            <a:r>
+              <a:rPr lang="hu-HU" altLang="hu-HU" sz="2000" dirty="0">
+                <a:solidFill>
+                  <a:schemeClr val="tx1"/>
+                </a:solidFill>
+                <a:latin typeface="Times New Roman" panose="02020603050405020304" pitchFamily="18" charset="0"/>
+                <a:cs typeface="Times New Roman" panose="02020603050405020304" pitchFamily="18" charset="0"/>
+              </a:rPr>
+              <a:t>Regisztráció, bejelentkezés</a:t>
+            </a:r>
+          </a:p>
+          <a:p>
+            <a:pPr marL="0" lvl="0" indent="0" eaLnBrk="0" fontAlgn="base" hangingPunct="0">
+              <a:lnSpc>
+                <a:spcPct val="100000"/>
+              </a:lnSpc>
+              <a:spcBef>
+                <a:spcPct val="0"/>
+              </a:spcBef>
+              <a:spcAft>
+                <a:spcPct val="0"/>
+              </a:spcAft>
+              <a:buFontTx/>
+              <a:buChar char="•"/>
+            </a:pPr>
+            <a:r>
+              <a:rPr lang="hu-HU" altLang="hu-HU" sz="2000" dirty="0">
+                <a:solidFill>
+                  <a:schemeClr val="tx1"/>
+                </a:solidFill>
+                <a:latin typeface="Times New Roman" panose="02020603050405020304" pitchFamily="18" charset="0"/>
+                <a:cs typeface="Times New Roman" panose="02020603050405020304" pitchFamily="18" charset="0"/>
+              </a:rPr>
+              <a:t>Kosárkezelés, rendelés</a:t>
             </a:r>
           </a:p>
           <a:p>
@@ -9592,230 +9948,6 @@
           </a:p>
         </p:txBody>
       </p:sp>
-      <p:sp>
-        <p:nvSpPr>
-          <p:cNvPr id="4" name="Rectangle 1">
-            <a:extLst>
-              <a:ext uri="{FF2B5EF4-FFF2-40B4-BE49-F238E27FC236}">
-                <a16:creationId xmlns:a16="http://schemas.microsoft.com/office/drawing/2014/main" id="{5479BBF2-517C-4F85-8ED4-1E9E47E7F13A}"/>
-              </a:ext>
-            </a:extLst>
-          </p:cNvPr>
-          <p:cNvSpPr>
-            <a:spLocks noGrp="1" noChangeArrowheads="1"/>
-          </p:cNvSpPr>
-          <p:nvPr>
-            <p:ph idx="1"/>
-          </p:nvPr>
-        </p:nvSpPr>
-        <p:spPr bwMode="auto">
-          <a:xfrm>
-            <a:off x="329523" y="5092686"/>
-            <a:ext cx="10625281" cy="1600438"/>
-          </a:xfrm>
-          <a:prstGeom prst="rect">
-            <a:avLst/>
-          </a:prstGeom>
-          <a:noFill/>
-          <a:ln>
-            <a:noFill/>
-          </a:ln>
-          <a:effectLst/>
-          <a:extLst>
-            <a:ext uri="{909E8E84-426E-40DD-AFC4-6F175D3DCCD1}">
-              <a14:hiddenFill xmlns:a14="http://schemas.microsoft.com/office/drawing/2010/main">
-                <a:solidFill>
-                  <a:schemeClr val="accent1"/>
-                </a:solidFill>
-              </a14:hiddenFill>
-            </a:ext>
-            <a:ext uri="{91240B29-F687-4F45-9708-019B960494DF}">
-              <a14:hiddenLine xmlns:a14="http://schemas.microsoft.com/office/drawing/2010/main" w="9525">
-                <a:solidFill>
-                  <a:schemeClr val="tx1"/>
-                </a:solidFill>
-                <a:miter lim="800000"/>
-                <a:headEnd/>
-                <a:tailEnd/>
-              </a14:hiddenLine>
-            </a:ext>
-            <a:ext uri="{AF507438-7753-43E0-B8FC-AC1667EBCBE1}">
-              <a14:hiddenEffects xmlns:a14="http://schemas.microsoft.com/office/drawing/2010/main">
-                <a:effectLst>
-                  <a:outerShdw dist="35921" dir="2700000" algn="ctr" rotWithShape="0">
-                    <a:schemeClr val="bg2"/>
-                  </a:outerShdw>
-                </a:effectLst>
-              </a14:hiddenEffects>
-            </a:ext>
-          </a:extLst>
-        </p:spPr>
-        <p:txBody>
-          <a:bodyPr vert="horz" wrap="none" lIns="91440" tIns="45720" rIns="91440" bIns="45720" numCol="1" anchor="ctr" anchorCtr="0" compatLnSpc="1">
-            <a:prstTxWarp prst="textNoShape">
-              <a:avLst/>
-            </a:prstTxWarp>
-            <a:spAutoFit/>
-          </a:bodyPr>
-          <a:lstStyle/>
-          <a:p>
-            <a:pPr marL="0" marR="0" lvl="0" indent="0" algn="l" defTabSz="914400" rtl="0" eaLnBrk="0" fontAlgn="base" latinLnBrk="0" hangingPunct="0">
-              <a:lnSpc>
-                <a:spcPct val="100000"/>
-              </a:lnSpc>
-              <a:spcBef>
-                <a:spcPct val="0"/>
-              </a:spcBef>
-              <a:spcAft>
-                <a:spcPct val="0"/>
-              </a:spcAft>
-              <a:buClrTx/>
-              <a:buSzTx/>
-              <a:buFontTx/>
-              <a:buNone/>
-              <a:tabLst/>
-            </a:pPr>
-            <a:endParaRPr kumimoji="0" lang="hu-HU" altLang="hu-HU" sz="1800" b="0" i="0" u="none" strike="noStrike" cap="none" normalizeH="0" baseline="0" dirty="0">
-              <a:ln>
-                <a:noFill/>
-              </a:ln>
-              <a:solidFill>
-                <a:schemeClr val="tx1"/>
-              </a:solidFill>
-              <a:effectLst/>
-              <a:latin typeface="Arial" panose="020B0604020202020204" pitchFamily="34" charset="0"/>
-            </a:endParaRPr>
-          </a:p>
-          <a:p>
-            <a:pPr marL="0" marR="0" lvl="0" indent="0" algn="l" defTabSz="914400" rtl="0" eaLnBrk="0" fontAlgn="base" latinLnBrk="0" hangingPunct="0">
-              <a:lnSpc>
-                <a:spcPct val="100000"/>
-              </a:lnSpc>
-              <a:spcBef>
-                <a:spcPct val="0"/>
-              </a:spcBef>
-              <a:spcAft>
-                <a:spcPct val="0"/>
-              </a:spcAft>
-              <a:buClrTx/>
-              <a:buSzTx/>
-              <a:buFontTx/>
-              <a:buChar char="•"/>
-              <a:tabLst/>
-            </a:pPr>
-            <a:r>
-              <a:rPr kumimoji="0" lang="hu-HU" altLang="hu-HU" sz="2000" b="0" i="0" u="none" strike="noStrike" cap="none" normalizeH="0" baseline="0" dirty="0">
-                <a:ln>
-                  <a:noFill/>
-                </a:ln>
-                <a:solidFill>
-                  <a:schemeClr val="tx1"/>
-                </a:solidFill>
-                <a:effectLst/>
-                <a:latin typeface="Times New Roman" panose="02020603050405020304" pitchFamily="18" charset="0"/>
-                <a:cs typeface="Times New Roman" panose="02020603050405020304" pitchFamily="18" charset="0"/>
-              </a:rPr>
-              <a:t>A weboldalon BMW modellekhez tartozó minőségi alkatrészek érhetők el. </a:t>
-            </a:r>
-          </a:p>
-          <a:p>
-            <a:pPr marL="0" marR="0" lvl="0" indent="0" algn="l" defTabSz="914400" rtl="0" eaLnBrk="0" fontAlgn="base" latinLnBrk="0" hangingPunct="0">
-              <a:lnSpc>
-                <a:spcPct val="100000"/>
-              </a:lnSpc>
-              <a:spcBef>
-                <a:spcPct val="0"/>
-              </a:spcBef>
-              <a:spcAft>
-                <a:spcPct val="0"/>
-              </a:spcAft>
-              <a:buClrTx/>
-              <a:buSzTx/>
-              <a:buFontTx/>
-              <a:buChar char="•"/>
-              <a:tabLst/>
-            </a:pPr>
-            <a:r>
-              <a:rPr kumimoji="0" lang="hu-HU" altLang="hu-HU" sz="2000" b="0" i="0" u="none" strike="noStrike" cap="none" normalizeH="0" baseline="0" dirty="0">
-                <a:ln>
-                  <a:noFill/>
-                </a:ln>
-                <a:solidFill>
-                  <a:schemeClr val="tx1"/>
-                </a:solidFill>
-                <a:effectLst/>
-                <a:latin typeface="Times New Roman" panose="02020603050405020304" pitchFamily="18" charset="0"/>
-                <a:cs typeface="Times New Roman" panose="02020603050405020304" pitchFamily="18" charset="0"/>
-              </a:rPr>
-              <a:t>A termékek között fékbetétek, légszűrők, gyújtógyertyák, lengéscsillapítók és fényszórók találhatók. </a:t>
-            </a:r>
-          </a:p>
-          <a:p>
-            <a:pPr marL="0" marR="0" lvl="0" indent="0" algn="l" defTabSz="914400" rtl="0" eaLnBrk="0" fontAlgn="base" latinLnBrk="0" hangingPunct="0">
-              <a:lnSpc>
-                <a:spcPct val="100000"/>
-              </a:lnSpc>
-              <a:spcBef>
-                <a:spcPct val="0"/>
-              </a:spcBef>
-              <a:spcAft>
-                <a:spcPct val="0"/>
-              </a:spcAft>
-              <a:buClrTx/>
-              <a:buSzTx/>
-              <a:buFontTx/>
-              <a:buChar char="•"/>
-              <a:tabLst/>
-            </a:pPr>
-            <a:r>
-              <a:rPr kumimoji="0" lang="hu-HU" altLang="hu-HU" sz="2000" b="0" i="0" u="none" strike="noStrike" cap="none" normalizeH="0" baseline="0" dirty="0">
-                <a:ln>
-                  <a:noFill/>
-                </a:ln>
-                <a:solidFill>
-                  <a:schemeClr val="tx1"/>
-                </a:solidFill>
-                <a:effectLst/>
-                <a:latin typeface="Times New Roman" panose="02020603050405020304" pitchFamily="18" charset="0"/>
-                <a:cs typeface="Times New Roman" panose="02020603050405020304" pitchFamily="18" charset="0"/>
-              </a:rPr>
-              <a:t>A kosárba helyezéssel egyszerűen és gyorsan megvásárolhatók. </a:t>
-            </a:r>
-          </a:p>
-          <a:p>
-            <a:pPr marL="0" marR="0" lvl="0" indent="0" algn="l" defTabSz="914400" rtl="0" eaLnBrk="0" fontAlgn="base" latinLnBrk="0" hangingPunct="0">
-              <a:lnSpc>
-                <a:spcPct val="100000"/>
-              </a:lnSpc>
-              <a:spcBef>
-                <a:spcPct val="0"/>
-              </a:spcBef>
-              <a:spcAft>
-                <a:spcPct val="0"/>
-              </a:spcAft>
-              <a:buClrTx/>
-              <a:buSzTx/>
-              <a:buFontTx/>
-              <a:buChar char="•"/>
-              <a:tabLst/>
-            </a:pPr>
-            <a:r>
-              <a:rPr kumimoji="0" lang="hu-HU" altLang="hu-HU" sz="2000" b="0" i="0" u="none" strike="noStrike" cap="none" normalizeH="0" baseline="0" dirty="0">
-                <a:ln>
-                  <a:noFill/>
-                </a:ln>
-                <a:solidFill>
-                  <a:schemeClr val="tx1"/>
-                </a:solidFill>
-                <a:effectLst/>
-                <a:latin typeface="Times New Roman" panose="02020603050405020304" pitchFamily="18" charset="0"/>
-                <a:cs typeface="Times New Roman" panose="02020603050405020304" pitchFamily="18" charset="0"/>
-              </a:rPr>
-              <a:t>Az árak forintban vannak megadva, és egyes termékek esetén elérhető státusz is meg van jelölve. </a:t>
-            </a:r>
-          </a:p>
-        </p:txBody>
-      </p:sp>
       <p:pic>
         <p:nvPicPr>
           <p:cNvPr id="6" name="Kép 5">
@@ -9844,7 +9976,7 @@
         </p:blipFill>
         <p:spPr>
           <a:xfrm>
-            <a:off x="1981199" y="1198051"/>
+            <a:off x="3796381" y="1528913"/>
             <a:ext cx="7196667" cy="4058448"/>
           </a:xfrm>
           <a:prstGeom prst="rect">
@@ -9852,6 +9984,129 @@
           </a:prstGeom>
         </p:spPr>
       </p:pic>
+      <p:sp>
+        <p:nvSpPr>
+          <p:cNvPr id="7" name="Téglalap 6">
+            <a:extLst>
+              <a:ext uri="{FF2B5EF4-FFF2-40B4-BE49-F238E27FC236}">
+                <a16:creationId xmlns:a16="http://schemas.microsoft.com/office/drawing/2014/main" id="{C5CBBD89-F763-4DF8-AF31-81727C787E49}"/>
+              </a:ext>
+            </a:extLst>
+          </p:cNvPr>
+          <p:cNvSpPr/>
+          <p:nvPr/>
+        </p:nvSpPr>
+        <p:spPr>
+          <a:xfrm>
+            <a:off x="550428" y="2589814"/>
+            <a:ext cx="2327683" cy="1631216"/>
+          </a:xfrm>
+          <a:prstGeom prst="rect">
+            <a:avLst/>
+          </a:prstGeom>
+        </p:spPr>
+        <p:txBody>
+          <a:bodyPr wrap="square">
+            <a:spAutoFit/>
+          </a:bodyPr>
+          <a:lstStyle/>
+          <a:p>
+            <a:pPr lvl="0" defTabSz="914400" eaLnBrk="0" fontAlgn="base" hangingPunct="0">
+              <a:spcBef>
+                <a:spcPct val="0"/>
+              </a:spcBef>
+              <a:spcAft>
+                <a:spcPct val="0"/>
+              </a:spcAft>
+              <a:buFontTx/>
+              <a:buChar char="•"/>
+            </a:pPr>
+            <a:r>
+              <a:rPr lang="hu-HU" altLang="hu-HU" sz="2000" dirty="0">
+                <a:latin typeface="Times New Roman" panose="02020603050405020304" pitchFamily="18" charset="0"/>
+                <a:cs typeface="Times New Roman" panose="02020603050405020304" pitchFamily="18" charset="0"/>
+              </a:rPr>
+              <a:t>Fékbetétek</a:t>
+            </a:r>
+          </a:p>
+          <a:p>
+            <a:pPr lvl="0" defTabSz="914400" eaLnBrk="0" fontAlgn="base" hangingPunct="0">
+              <a:spcBef>
+                <a:spcPct val="0"/>
+              </a:spcBef>
+              <a:spcAft>
+                <a:spcPct val="0"/>
+              </a:spcAft>
+              <a:buFontTx/>
+              <a:buChar char="•"/>
+            </a:pPr>
+            <a:r>
+              <a:rPr lang="hu-HU" altLang="hu-HU" sz="2000" dirty="0">
+                <a:latin typeface="Times New Roman" panose="02020603050405020304" pitchFamily="18" charset="0"/>
+                <a:cs typeface="Times New Roman" panose="02020603050405020304" pitchFamily="18" charset="0"/>
+              </a:rPr>
+              <a:t>Légszűrők</a:t>
+            </a:r>
+          </a:p>
+          <a:p>
+            <a:pPr lvl="0" defTabSz="914400" eaLnBrk="0" fontAlgn="base" hangingPunct="0">
+              <a:spcBef>
+                <a:spcPct val="0"/>
+              </a:spcBef>
+              <a:spcAft>
+                <a:spcPct val="0"/>
+              </a:spcAft>
+              <a:buFontTx/>
+              <a:buChar char="•"/>
+            </a:pPr>
+            <a:r>
+              <a:rPr lang="hu-HU" altLang="hu-HU" sz="2000" dirty="0">
+                <a:latin typeface="Times New Roman" panose="02020603050405020304" pitchFamily="18" charset="0"/>
+                <a:cs typeface="Times New Roman" panose="02020603050405020304" pitchFamily="18" charset="0"/>
+              </a:rPr>
+              <a:t>Gyújtógyertyák</a:t>
+            </a:r>
+          </a:p>
+          <a:p>
+            <a:pPr lvl="0" defTabSz="914400" eaLnBrk="0" fontAlgn="base" hangingPunct="0">
+              <a:spcBef>
+                <a:spcPct val="0"/>
+              </a:spcBef>
+              <a:spcAft>
+                <a:spcPct val="0"/>
+              </a:spcAft>
+              <a:buFontTx/>
+              <a:buChar char="•"/>
+            </a:pPr>
+            <a:r>
+              <a:rPr lang="hu-HU" altLang="hu-HU" sz="2000" dirty="0">
+                <a:latin typeface="Times New Roman" panose="02020603050405020304" pitchFamily="18" charset="0"/>
+                <a:cs typeface="Times New Roman" panose="02020603050405020304" pitchFamily="18" charset="0"/>
+              </a:rPr>
+              <a:t>Lengéscsillapítók</a:t>
+            </a:r>
+          </a:p>
+          <a:p>
+            <a:pPr lvl="0" defTabSz="914400" eaLnBrk="0" fontAlgn="base" hangingPunct="0">
+              <a:spcBef>
+                <a:spcPct val="0"/>
+              </a:spcBef>
+              <a:spcAft>
+                <a:spcPct val="0"/>
+              </a:spcAft>
+              <a:buFontTx/>
+              <a:buChar char="•"/>
+            </a:pPr>
+            <a:r>
+              <a:rPr lang="hu-HU" altLang="hu-HU" sz="2000" dirty="0">
+                <a:latin typeface="Times New Roman" panose="02020603050405020304" pitchFamily="18" charset="0"/>
+                <a:cs typeface="Times New Roman" panose="02020603050405020304" pitchFamily="18" charset="0"/>
+              </a:rPr>
+              <a:t>Fényszórók</a:t>
+            </a:r>
+          </a:p>
+        </p:txBody>
+      </p:sp>
     </p:spTree>
     <p:extLst>
       <p:ext uri="{BB962C8B-B14F-4D97-AF65-F5344CB8AC3E}">
@@ -9936,182 +10191,56 @@
         </p:nvSpPr>
         <p:spPr>
           <a:xfrm>
-            <a:off x="606424" y="1512146"/>
+            <a:off x="741335" y="2511213"/>
             <a:ext cx="3675211" cy="4346787"/>
           </a:xfrm>
         </p:spPr>
         <p:txBody>
           <a:bodyPr>
-            <a:normAutofit lnSpcReduction="10000"/>
+            <a:normAutofit/>
           </a:bodyPr>
           <a:lstStyle/>
           <a:p>
             <a:r>
-              <a:rPr lang="hu-HU" sz="1700" dirty="0">
-                <a:latin typeface="Times New Roman" panose="02020603050405020304" pitchFamily="18" charset="0"/>
-                <a:cs typeface="Times New Roman" panose="02020603050405020304" pitchFamily="18" charset="0"/>
-              </a:rPr>
-              <a:t>Amikor egy terméket kiválasztasz, az a </a:t>
-            </a:r>
-            <a:r>
-              <a:rPr lang="hu-HU" sz="1700" b="1" dirty="0">
-                <a:latin typeface="Times New Roman" panose="02020603050405020304" pitchFamily="18" charset="0"/>
-                <a:cs typeface="Times New Roman" panose="02020603050405020304" pitchFamily="18" charset="0"/>
-              </a:rPr>
-              <a:t>kosárba kerül</a:t>
-            </a:r>
-            <a:r>
-              <a:rPr lang="hu-HU" sz="1700" dirty="0">
-                <a:latin typeface="Times New Roman" panose="02020603050405020304" pitchFamily="18" charset="0"/>
-                <a:cs typeface="Times New Roman" panose="02020603050405020304" pitchFamily="18" charset="0"/>
-              </a:rPr>
-              <a:t>, ahol a következő lehetőségek állnak rendelkezésedre:</a:t>
-            </a:r>
-          </a:p>
-          <a:p>
-            <a:r>
-              <a:rPr lang="hu-HU" sz="1700" b="1" dirty="0">
+              <a:rPr lang="hu-HU" sz="2000" dirty="0">
+                <a:latin typeface="Times New Roman" panose="02020603050405020304" pitchFamily="18" charset="0"/>
+                <a:cs typeface="Times New Roman" panose="02020603050405020304" pitchFamily="18" charset="0"/>
+              </a:rPr>
+              <a:t>Termék hozzáadása / eltávolítása</a:t>
+            </a:r>
+          </a:p>
+          <a:p>
+            <a:r>
+              <a:rPr lang="hu-HU" sz="2000" dirty="0">
                 <a:latin typeface="Times New Roman" panose="02020603050405020304" pitchFamily="18" charset="0"/>
                 <a:cs typeface="Times New Roman" panose="02020603050405020304" pitchFamily="18" charset="0"/>
               </a:rPr>
               <a:t>Mennyiség módosítása</a:t>
             </a:r>
-            <a:r>
-              <a:rPr lang="hu-HU" sz="1700" dirty="0">
-                <a:latin typeface="Times New Roman" panose="02020603050405020304" pitchFamily="18" charset="0"/>
-                <a:cs typeface="Times New Roman" panose="02020603050405020304" pitchFamily="18" charset="0"/>
-              </a:rPr>
-              <a:t> – Növelheted vagy csökkentheted az adott termék darabszámát.</a:t>
-            </a:r>
-          </a:p>
-          <a:p>
-            <a:r>
-              <a:rPr lang="hu-HU" sz="1700" b="1" dirty="0">
-                <a:latin typeface="Times New Roman" panose="02020603050405020304" pitchFamily="18" charset="0"/>
-                <a:cs typeface="Times New Roman" panose="02020603050405020304" pitchFamily="18" charset="0"/>
-              </a:rPr>
-              <a:t>Termék eltávolítása</a:t>
-            </a:r>
-            <a:r>
-              <a:rPr lang="hu-HU" sz="1700" dirty="0">
-                <a:latin typeface="Times New Roman" panose="02020603050405020304" pitchFamily="18" charset="0"/>
-                <a:cs typeface="Times New Roman" panose="02020603050405020304" pitchFamily="18" charset="0"/>
-              </a:rPr>
-              <a:t> – Ha meggondoltad magad, egy kattintással </a:t>
-            </a:r>
-            <a:r>
-              <a:rPr lang="hu-HU" sz="1700" dirty="0" err="1">
-                <a:latin typeface="Times New Roman" panose="02020603050405020304" pitchFamily="18" charset="0"/>
-                <a:cs typeface="Times New Roman" panose="02020603050405020304" pitchFamily="18" charset="0"/>
-              </a:rPr>
-              <a:t>törölheted</a:t>
-            </a:r>
-            <a:r>
-              <a:rPr lang="hu-HU" sz="1700" dirty="0">
-                <a:latin typeface="Times New Roman" panose="02020603050405020304" pitchFamily="18" charset="0"/>
-                <a:cs typeface="Times New Roman" panose="02020603050405020304" pitchFamily="18" charset="0"/>
-              </a:rPr>
-              <a:t> az adott terméket a kosárból.</a:t>
-            </a:r>
-          </a:p>
-          <a:p>
-            <a:r>
-              <a:rPr lang="hu-HU" sz="1700" b="1" dirty="0">
-                <a:latin typeface="Times New Roman" panose="02020603050405020304" pitchFamily="18" charset="0"/>
-                <a:cs typeface="Times New Roman" panose="02020603050405020304" pitchFamily="18" charset="0"/>
-              </a:rPr>
-              <a:t>Rendelés végösszegének megtekintése</a:t>
-            </a:r>
-            <a:r>
-              <a:rPr lang="hu-HU" sz="1700" dirty="0">
-                <a:latin typeface="Times New Roman" panose="02020603050405020304" pitchFamily="18" charset="0"/>
-                <a:cs typeface="Times New Roman" panose="02020603050405020304" pitchFamily="18" charset="0"/>
-              </a:rPr>
-              <a:t> – A kosár mindig mutatja az aktuális összeget, így nyomon követheted a költségeket.</a:t>
-            </a:r>
-            <a:r>
-              <a:rPr lang="hu-HU" sz="1700" dirty="0"/>
-              <a:t> </a:t>
-            </a:r>
-          </a:p>
-          <a:p>
-            <a:r>
-              <a:rPr lang="hu-HU" sz="1700" dirty="0">
-                <a:latin typeface="Times New Roman" panose="02020603050405020304" pitchFamily="18" charset="0"/>
-                <a:cs typeface="Times New Roman" panose="02020603050405020304" pitchFamily="18" charset="0"/>
-              </a:rPr>
-              <a:t>Ha elégedett vagy a választásoddal, a </a:t>
-            </a:r>
-            <a:r>
-              <a:rPr lang="hu-HU" sz="1700" b="1" dirty="0">
-                <a:latin typeface="Times New Roman" panose="02020603050405020304" pitchFamily="18" charset="0"/>
-                <a:cs typeface="Times New Roman" panose="02020603050405020304" pitchFamily="18" charset="0"/>
-              </a:rPr>
-              <a:t>"</a:t>
-            </a:r>
-            <a:r>
-              <a:rPr lang="hu-HU" sz="1700" b="1" dirty="0" err="1">
-                <a:latin typeface="Times New Roman" panose="02020603050405020304" pitchFamily="18" charset="0"/>
-                <a:cs typeface="Times New Roman" panose="02020603050405020304" pitchFamily="18" charset="0"/>
-              </a:rPr>
-              <a:t>Proceed</a:t>
-            </a:r>
-            <a:r>
-              <a:rPr lang="hu-HU" sz="1700" b="1" dirty="0">
-                <a:latin typeface="Times New Roman" panose="02020603050405020304" pitchFamily="18" charset="0"/>
-                <a:cs typeface="Times New Roman" panose="02020603050405020304" pitchFamily="18" charset="0"/>
-              </a:rPr>
-              <a:t> </a:t>
-            </a:r>
-            <a:r>
-              <a:rPr lang="hu-HU" sz="1700" b="1" dirty="0" err="1">
-                <a:latin typeface="Times New Roman" panose="02020603050405020304" pitchFamily="18" charset="0"/>
-                <a:cs typeface="Times New Roman" panose="02020603050405020304" pitchFamily="18" charset="0"/>
-              </a:rPr>
-              <a:t>to</a:t>
-            </a:r>
-            <a:r>
-              <a:rPr lang="hu-HU" sz="1700" b="1" dirty="0">
-                <a:latin typeface="Times New Roman" panose="02020603050405020304" pitchFamily="18" charset="0"/>
-                <a:cs typeface="Times New Roman" panose="02020603050405020304" pitchFamily="18" charset="0"/>
-              </a:rPr>
-              <a:t> </a:t>
-            </a:r>
-            <a:r>
-              <a:rPr lang="hu-HU" sz="1700" b="1" dirty="0" err="1">
-                <a:latin typeface="Times New Roman" panose="02020603050405020304" pitchFamily="18" charset="0"/>
-                <a:cs typeface="Times New Roman" panose="02020603050405020304" pitchFamily="18" charset="0"/>
-              </a:rPr>
-              <a:t>Checkout</a:t>
-            </a:r>
-            <a:r>
-              <a:rPr lang="hu-HU" sz="1700" b="1" dirty="0">
-                <a:latin typeface="Times New Roman" panose="02020603050405020304" pitchFamily="18" charset="0"/>
-                <a:cs typeface="Times New Roman" panose="02020603050405020304" pitchFamily="18" charset="0"/>
-              </a:rPr>
-              <a:t>"</a:t>
-            </a:r>
-            <a:r>
-              <a:rPr lang="hu-HU" sz="1700" dirty="0">
-                <a:latin typeface="Times New Roman" panose="02020603050405020304" pitchFamily="18" charset="0"/>
-                <a:cs typeface="Times New Roman" panose="02020603050405020304" pitchFamily="18" charset="0"/>
-              </a:rPr>
-              <a:t> gombra kattintva </a:t>
-            </a:r>
-            <a:r>
-              <a:rPr lang="hu-HU" sz="1700" dirty="0" err="1">
-                <a:latin typeface="Times New Roman" panose="02020603050405020304" pitchFamily="18" charset="0"/>
-                <a:cs typeface="Times New Roman" panose="02020603050405020304" pitchFamily="18" charset="0"/>
-              </a:rPr>
-              <a:t>továbbléphetsz</a:t>
-            </a:r>
-            <a:r>
-              <a:rPr lang="hu-HU" sz="1700" dirty="0">
-                <a:latin typeface="Times New Roman" panose="02020603050405020304" pitchFamily="18" charset="0"/>
-                <a:cs typeface="Times New Roman" panose="02020603050405020304" pitchFamily="18" charset="0"/>
-              </a:rPr>
-              <a:t> a megrendelési folyamatba.</a:t>
-            </a:r>
+          </a:p>
+          <a:p>
+            <a:r>
+              <a:rPr lang="hu-HU" sz="2000" dirty="0">
+                <a:latin typeface="Times New Roman" panose="02020603050405020304" pitchFamily="18" charset="0"/>
+                <a:cs typeface="Times New Roman" panose="02020603050405020304" pitchFamily="18" charset="0"/>
+              </a:rPr>
+              <a:t>Végösszeg követése</a:t>
+            </a:r>
+          </a:p>
+          <a:p>
+            <a:r>
+              <a:rPr lang="hu-HU" sz="2000" dirty="0">
+                <a:latin typeface="Times New Roman" panose="02020603050405020304" pitchFamily="18" charset="0"/>
+                <a:cs typeface="Times New Roman" panose="02020603050405020304" pitchFamily="18" charset="0"/>
+              </a:rPr>
+              <a:t>Megrendelés: adatmegadás, fizetési mód választás</a:t>
+            </a:r>
+          </a:p>
+          <a:p>
+            <a:endParaRPr lang="hu-HU" sz="1700" dirty="0">
+              <a:latin typeface="Times New Roman" panose="02020603050405020304" pitchFamily="18" charset="0"/>
+              <a:cs typeface="Times New Roman" panose="02020603050405020304" pitchFamily="18" charset="0"/>
+            </a:endParaRPr>
           </a:p>
           <a:p>
             <a:endParaRPr lang="hu-HU" dirty="0"/>
@@ -10146,7 +10275,7 @@
         </p:blipFill>
         <p:spPr>
           <a:xfrm>
-            <a:off x="6205810" y="1301921"/>
+            <a:off x="5666164" y="1391862"/>
             <a:ext cx="3658111" cy="5134692"/>
           </a:xfrm>
           <a:prstGeom prst="rect">

--- a/CarShoptprezentáció.pptx
+++ b/CarShoptprezentáció.pptx
@@ -225,7 +225,7 @@
           <a:p>
             <a:fld id="{471E0D89-7C2E-4F2E-A371-F79B31E3BD27}" type="datetimeFigureOut">
               <a:rPr lang="hu-HU" smtClean="0"/>
-              <a:t>2025. 04. 28.</a:t>
+              <a:t>2025. 05. 07.</a:t>
             </a:fld>
             <a:endParaRPr lang="hu-HU"/>
           </a:p>
@@ -692,7 +692,7 @@
           <a:p>
             <a:fld id="{F36B24A3-399C-4EA5-8CEA-B030DB394EAE}" type="datetimeFigureOut">
               <a:rPr lang="hu-HU" smtClean="0"/>
-              <a:t>2025. 04. 28.</a:t>
+              <a:t>2025. 05. 07.</a:t>
             </a:fld>
             <a:endParaRPr lang="hu-HU"/>
           </a:p>
@@ -882,7 +882,7 @@
           <a:p>
             <a:fld id="{F36B24A3-399C-4EA5-8CEA-B030DB394EAE}" type="datetimeFigureOut">
               <a:rPr lang="hu-HU" smtClean="0"/>
-              <a:t>2025. 04. 28.</a:t>
+              <a:t>2025. 05. 07.</a:t>
             </a:fld>
             <a:endParaRPr lang="hu-HU"/>
           </a:p>
@@ -1062,7 +1062,7 @@
           <a:p>
             <a:fld id="{F36B24A3-399C-4EA5-8CEA-B030DB394EAE}" type="datetimeFigureOut">
               <a:rPr lang="hu-HU" smtClean="0"/>
-              <a:t>2025. 04. 28.</a:t>
+              <a:t>2025. 05. 07.</a:t>
             </a:fld>
             <a:endParaRPr lang="hu-HU"/>
           </a:p>
@@ -1232,7 +1232,7 @@
           <a:p>
             <a:fld id="{F36B24A3-399C-4EA5-8CEA-B030DB394EAE}" type="datetimeFigureOut">
               <a:rPr lang="hu-HU" smtClean="0"/>
-              <a:t>2025. 04. 28.</a:t>
+              <a:t>2025. 05. 07.</a:t>
             </a:fld>
             <a:endParaRPr lang="hu-HU"/>
           </a:p>
@@ -1488,7 +1488,7 @@
           <a:p>
             <a:fld id="{F36B24A3-399C-4EA5-8CEA-B030DB394EAE}" type="datetimeFigureOut">
               <a:rPr lang="hu-HU" smtClean="0"/>
-              <a:t>2025. 04. 28.</a:t>
+              <a:t>2025. 05. 07.</a:t>
             </a:fld>
             <a:endParaRPr lang="hu-HU"/>
           </a:p>
@@ -1776,7 +1776,7 @@
           <a:p>
             <a:fld id="{F36B24A3-399C-4EA5-8CEA-B030DB394EAE}" type="datetimeFigureOut">
               <a:rPr lang="hu-HU" smtClean="0"/>
-              <a:t>2025. 04. 28.</a:t>
+              <a:t>2025. 05. 07.</a:t>
             </a:fld>
             <a:endParaRPr lang="hu-HU"/>
           </a:p>
@@ -2214,7 +2214,7 @@
           <a:p>
             <a:fld id="{F36B24A3-399C-4EA5-8CEA-B030DB394EAE}" type="datetimeFigureOut">
               <a:rPr lang="hu-HU" smtClean="0"/>
-              <a:t>2025. 04. 28.</a:t>
+              <a:t>2025. 05. 07.</a:t>
             </a:fld>
             <a:endParaRPr lang="hu-HU"/>
           </a:p>
@@ -2332,7 +2332,7 @@
           <a:p>
             <a:fld id="{F36B24A3-399C-4EA5-8CEA-B030DB394EAE}" type="datetimeFigureOut">
               <a:rPr lang="hu-HU" smtClean="0"/>
-              <a:t>2025. 04. 28.</a:t>
+              <a:t>2025. 05. 07.</a:t>
             </a:fld>
             <a:endParaRPr lang="hu-HU"/>
           </a:p>
@@ -2427,7 +2427,7 @@
           <a:p>
             <a:fld id="{F36B24A3-399C-4EA5-8CEA-B030DB394EAE}" type="datetimeFigureOut">
               <a:rPr lang="hu-HU" smtClean="0"/>
-              <a:t>2025. 04. 28.</a:t>
+              <a:t>2025. 05. 07.</a:t>
             </a:fld>
             <a:endParaRPr lang="hu-HU"/>
           </a:p>
@@ -2783,7 +2783,7 @@
           <a:p>
             <a:fld id="{F36B24A3-399C-4EA5-8CEA-B030DB394EAE}" type="datetimeFigureOut">
               <a:rPr lang="hu-HU" smtClean="0"/>
-              <a:t>2025. 04. 28.</a:t>
+              <a:t>2025. 05. 07.</a:t>
             </a:fld>
             <a:endParaRPr lang="hu-HU"/>
           </a:p>
@@ -3099,7 +3099,7 @@
           <a:p>
             <a:fld id="{F36B24A3-399C-4EA5-8CEA-B030DB394EAE}" type="datetimeFigureOut">
               <a:rPr lang="hu-HU" smtClean="0"/>
-              <a:t>2025. 04. 28.</a:t>
+              <a:t>2025. 05. 07.</a:t>
             </a:fld>
             <a:endParaRPr lang="hu-HU"/>
           </a:p>
@@ -3332,7 +3332,7 @@
           <a:p>
             <a:fld id="{F36B24A3-399C-4EA5-8CEA-B030DB394EAE}" type="datetimeFigureOut">
               <a:rPr lang="hu-HU" smtClean="0"/>
-              <a:t>2025. 04. 28.</a:t>
+              <a:t>2025. 05. 07.</a:t>
             </a:fld>
             <a:endParaRPr lang="hu-HU"/>
           </a:p>
@@ -4681,7 +4681,7 @@
                 <a:latin typeface="Times New Roman" panose="02020603050405020304" pitchFamily="18" charset="0"/>
                 <a:cs typeface="Times New Roman" panose="02020603050405020304" pitchFamily="18" charset="0"/>
               </a:rPr>
-              <a:t>Jest</a:t>
+              <a:t>Vitest</a:t>
             </a:r>
             <a:endParaRPr lang="hu-HU" sz="2000" dirty="0">
               <a:latin typeface="Times New Roman" panose="02020603050405020304" pitchFamily="18" charset="0"/>
@@ -4695,7 +4695,7 @@
                 <a:latin typeface="Times New Roman" panose="02020603050405020304" pitchFamily="18" charset="0"/>
                 <a:cs typeface="Times New Roman" panose="02020603050405020304" pitchFamily="18" charset="0"/>
               </a:rPr>
-              <a:t>Enzyme</a:t>
+              <a:t>Cypress</a:t>
             </a:r>
             <a:endParaRPr lang="hu-HU" sz="2000" dirty="0">
               <a:latin typeface="Times New Roman" panose="02020603050405020304" pitchFamily="18" charset="0"/>
@@ -8966,8 +8966,8 @@
         </p:blipFill>
         <p:spPr>
           <a:xfrm>
-            <a:off x="6614094" y="1884254"/>
-            <a:ext cx="5476306" cy="3154681"/>
+            <a:off x="6197600" y="1884254"/>
+            <a:ext cx="5892800" cy="3154681"/>
           </a:xfrm>
         </p:spPr>
       </p:pic>

--- a/CarShoptprezentáció.pptx
+++ b/CarShoptprezentáció.pptx
@@ -225,7 +225,7 @@
           <a:p>
             <a:fld id="{471E0D89-7C2E-4F2E-A371-F79B31E3BD27}" type="datetimeFigureOut">
               <a:rPr lang="hu-HU" smtClean="0"/>
-              <a:t>2025. 05. 07.</a:t>
+              <a:t>2025. 05. 13.</a:t>
             </a:fld>
             <a:endParaRPr lang="hu-HU"/>
           </a:p>
@@ -692,7 +692,7 @@
           <a:p>
             <a:fld id="{F36B24A3-399C-4EA5-8CEA-B030DB394EAE}" type="datetimeFigureOut">
               <a:rPr lang="hu-HU" smtClean="0"/>
-              <a:t>2025. 05. 07.</a:t>
+              <a:t>2025. 05. 13.</a:t>
             </a:fld>
             <a:endParaRPr lang="hu-HU"/>
           </a:p>
@@ -882,7 +882,7 @@
           <a:p>
             <a:fld id="{F36B24A3-399C-4EA5-8CEA-B030DB394EAE}" type="datetimeFigureOut">
               <a:rPr lang="hu-HU" smtClean="0"/>
-              <a:t>2025. 05. 07.</a:t>
+              <a:t>2025. 05. 13.</a:t>
             </a:fld>
             <a:endParaRPr lang="hu-HU"/>
           </a:p>
@@ -1062,7 +1062,7 @@
           <a:p>
             <a:fld id="{F36B24A3-399C-4EA5-8CEA-B030DB394EAE}" type="datetimeFigureOut">
               <a:rPr lang="hu-HU" smtClean="0"/>
-              <a:t>2025. 05. 07.</a:t>
+              <a:t>2025. 05. 13.</a:t>
             </a:fld>
             <a:endParaRPr lang="hu-HU"/>
           </a:p>
@@ -1232,7 +1232,7 @@
           <a:p>
             <a:fld id="{F36B24A3-399C-4EA5-8CEA-B030DB394EAE}" type="datetimeFigureOut">
               <a:rPr lang="hu-HU" smtClean="0"/>
-              <a:t>2025. 05. 07.</a:t>
+              <a:t>2025. 05. 13.</a:t>
             </a:fld>
             <a:endParaRPr lang="hu-HU"/>
           </a:p>
@@ -1488,7 +1488,7 @@
           <a:p>
             <a:fld id="{F36B24A3-399C-4EA5-8CEA-B030DB394EAE}" type="datetimeFigureOut">
               <a:rPr lang="hu-HU" smtClean="0"/>
-              <a:t>2025. 05. 07.</a:t>
+              <a:t>2025. 05. 13.</a:t>
             </a:fld>
             <a:endParaRPr lang="hu-HU"/>
           </a:p>
@@ -1776,7 +1776,7 @@
           <a:p>
             <a:fld id="{F36B24A3-399C-4EA5-8CEA-B030DB394EAE}" type="datetimeFigureOut">
               <a:rPr lang="hu-HU" smtClean="0"/>
-              <a:t>2025. 05. 07.</a:t>
+              <a:t>2025. 05. 13.</a:t>
             </a:fld>
             <a:endParaRPr lang="hu-HU"/>
           </a:p>
@@ -2214,7 +2214,7 @@
           <a:p>
             <a:fld id="{F36B24A3-399C-4EA5-8CEA-B030DB394EAE}" type="datetimeFigureOut">
               <a:rPr lang="hu-HU" smtClean="0"/>
-              <a:t>2025. 05. 07.</a:t>
+              <a:t>2025. 05. 13.</a:t>
             </a:fld>
             <a:endParaRPr lang="hu-HU"/>
           </a:p>
@@ -2332,7 +2332,7 @@
           <a:p>
             <a:fld id="{F36B24A3-399C-4EA5-8CEA-B030DB394EAE}" type="datetimeFigureOut">
               <a:rPr lang="hu-HU" smtClean="0"/>
-              <a:t>2025. 05. 07.</a:t>
+              <a:t>2025. 05. 13.</a:t>
             </a:fld>
             <a:endParaRPr lang="hu-HU"/>
           </a:p>
@@ -2427,7 +2427,7 @@
           <a:p>
             <a:fld id="{F36B24A3-399C-4EA5-8CEA-B030DB394EAE}" type="datetimeFigureOut">
               <a:rPr lang="hu-HU" smtClean="0"/>
-              <a:t>2025. 05. 07.</a:t>
+              <a:t>2025. 05. 13.</a:t>
             </a:fld>
             <a:endParaRPr lang="hu-HU"/>
           </a:p>
@@ -2783,7 +2783,7 @@
           <a:p>
             <a:fld id="{F36B24A3-399C-4EA5-8CEA-B030DB394EAE}" type="datetimeFigureOut">
               <a:rPr lang="hu-HU" smtClean="0"/>
-              <a:t>2025. 05. 07.</a:t>
+              <a:t>2025. 05. 13.</a:t>
             </a:fld>
             <a:endParaRPr lang="hu-HU"/>
           </a:p>
@@ -3099,7 +3099,7 @@
           <a:p>
             <a:fld id="{F36B24A3-399C-4EA5-8CEA-B030DB394EAE}" type="datetimeFigureOut">
               <a:rPr lang="hu-HU" smtClean="0"/>
-              <a:t>2025. 05. 07.</a:t>
+              <a:t>2025. 05. 13.</a:t>
             </a:fld>
             <a:endParaRPr lang="hu-HU"/>
           </a:p>
@@ -3332,7 +3332,7 @@
           <a:p>
             <a:fld id="{F36B24A3-399C-4EA5-8CEA-B030DB394EAE}" type="datetimeFigureOut">
               <a:rPr lang="hu-HU" smtClean="0"/>
-              <a:t>2025. 05. 07.</a:t>
+              <a:t>2025. 05. 13.</a:t>
             </a:fld>
             <a:endParaRPr lang="hu-HU"/>
           </a:p>
@@ -8936,138 +8936,6 @@
           </a:p>
         </p:txBody>
       </p:sp>
-      <p:pic>
-        <p:nvPicPr>
-          <p:cNvPr id="5" name="Tartalom helye 4">
-            <a:extLst>
-              <a:ext uri="{FF2B5EF4-FFF2-40B4-BE49-F238E27FC236}">
-                <a16:creationId xmlns:a16="http://schemas.microsoft.com/office/drawing/2014/main" id="{E11795AF-009B-4A31-A4FC-276DC5C99501}"/>
-              </a:ext>
-            </a:extLst>
-          </p:cNvPr>
-          <p:cNvPicPr>
-            <a:picLocks noGrp="1" noChangeAspect="1"/>
-          </p:cNvPicPr>
-          <p:nvPr>
-            <p:ph idx="1"/>
-          </p:nvPr>
-        </p:nvPicPr>
-        <p:blipFill>
-          <a:blip r:embed="rId2">
-            <a:extLst>
-              <a:ext uri="{28A0092B-C50C-407E-A947-70E740481C1C}">
-                <a14:useLocalDpi xmlns:a14="http://schemas.microsoft.com/office/drawing/2010/main" val="0"/>
-              </a:ext>
-            </a:extLst>
-          </a:blip>
-          <a:stretch>
-            <a:fillRect/>
-          </a:stretch>
-        </p:blipFill>
-        <p:spPr>
-          <a:xfrm>
-            <a:off x="6197600" y="1884254"/>
-            <a:ext cx="5892800" cy="3154681"/>
-          </a:xfrm>
-        </p:spPr>
-      </p:pic>
-      <p:sp>
-        <p:nvSpPr>
-          <p:cNvPr id="4" name="Rectangle 2">
-            <a:extLst>
-              <a:ext uri="{FF2B5EF4-FFF2-40B4-BE49-F238E27FC236}">
-                <a16:creationId xmlns:a16="http://schemas.microsoft.com/office/drawing/2014/main" id="{C6AB2292-29EE-41EC-ABA4-B42AE9572CF7}"/>
-              </a:ext>
-            </a:extLst>
-          </p:cNvPr>
-          <p:cNvSpPr>
-            <a:spLocks noChangeArrowheads="1"/>
-          </p:cNvSpPr>
-          <p:nvPr/>
-        </p:nvSpPr>
-        <p:spPr bwMode="auto">
-          <a:xfrm>
-            <a:off x="0" y="-184666"/>
-            <a:ext cx="341760" cy="369332"/>
-          </a:xfrm>
-          <a:prstGeom prst="rect">
-            <a:avLst/>
-          </a:prstGeom>
-          <a:noFill/>
-          <a:ln>
-            <a:noFill/>
-          </a:ln>
-          <a:effectLst/>
-          <a:extLst>
-            <a:ext uri="{909E8E84-426E-40DD-AFC4-6F175D3DCCD1}">
-              <a14:hiddenFill xmlns:a14="http://schemas.microsoft.com/office/drawing/2010/main">
-                <a:solidFill>
-                  <a:schemeClr val="accent1"/>
-                </a:solidFill>
-              </a14:hiddenFill>
-            </a:ext>
-            <a:ext uri="{91240B29-F687-4F45-9708-019B960494DF}">
-              <a14:hiddenLine xmlns:a14="http://schemas.microsoft.com/office/drawing/2010/main" w="9525">
-                <a:solidFill>
-                  <a:schemeClr val="tx1"/>
-                </a:solidFill>
-                <a:miter lim="800000"/>
-                <a:headEnd/>
-                <a:tailEnd/>
-              </a14:hiddenLine>
-            </a:ext>
-            <a:ext uri="{AF507438-7753-43E0-B8FC-AC1667EBCBE1}">
-              <a14:hiddenEffects xmlns:a14="http://schemas.microsoft.com/office/drawing/2010/main">
-                <a:effectLst>
-                  <a:outerShdw dist="35921" dir="2700000" algn="ctr" rotWithShape="0">
-                    <a:schemeClr val="bg2"/>
-                  </a:outerShdw>
-                </a:effectLst>
-              </a14:hiddenEffects>
-            </a:ext>
-          </a:extLst>
-        </p:spPr>
-        <p:txBody>
-          <a:bodyPr vert="horz" wrap="none" lIns="91440" tIns="45720" rIns="91440" bIns="45720" numCol="1" anchor="ctr" anchorCtr="0" compatLnSpc="1">
-            <a:prstTxWarp prst="textNoShape">
-              <a:avLst/>
-            </a:prstTxWarp>
-            <a:spAutoFit/>
-          </a:bodyPr>
-          <a:lstStyle/>
-          <a:p>
-            <a:pPr marL="0" marR="0" lvl="0" indent="0" algn="l" defTabSz="914400" rtl="0" eaLnBrk="0" fontAlgn="base" latinLnBrk="0" hangingPunct="0">
-              <a:lnSpc>
-                <a:spcPct val="100000"/>
-              </a:lnSpc>
-              <a:spcBef>
-                <a:spcPct val="0"/>
-              </a:spcBef>
-              <a:spcAft>
-                <a:spcPct val="0"/>
-              </a:spcAft>
-              <a:buClrTx/>
-              <a:buSzTx/>
-              <a:buFontTx/>
-              <a:buChar char="•"/>
-              <a:tabLst/>
-            </a:pPr>
-            <a:r>
-              <a:rPr kumimoji="0" lang="hu-HU" altLang="hu-HU" sz="1800" b="0" i="0" u="none" strike="noStrike" cap="none" normalizeH="0" baseline="0" dirty="0">
-                <a:ln>
-                  <a:noFill/>
-                </a:ln>
-                <a:solidFill>
-                  <a:schemeClr val="tx1"/>
-                </a:solidFill>
-                <a:effectLst/>
-                <a:latin typeface="Arial" panose="020B0604020202020204" pitchFamily="34" charset="0"/>
-              </a:rPr>
-              <a:t>)</a:t>
-            </a:r>
-          </a:p>
-        </p:txBody>
-      </p:sp>
       <p:sp>
         <p:nvSpPr>
           <p:cNvPr id="7" name="Téglalap 6">
@@ -9223,6 +9091,41 @@
           </a:p>
         </p:txBody>
       </p:sp>
+      <p:pic>
+        <p:nvPicPr>
+          <p:cNvPr id="8" name="Tartalom helye 7">
+            <a:extLst>
+              <a:ext uri="{FF2B5EF4-FFF2-40B4-BE49-F238E27FC236}">
+                <a16:creationId xmlns:a16="http://schemas.microsoft.com/office/drawing/2014/main" id="{3CB896DD-0D51-4336-952A-9B00A16DAFE0}"/>
+              </a:ext>
+            </a:extLst>
+          </p:cNvPr>
+          <p:cNvPicPr>
+            <a:picLocks noGrp="1" noChangeAspect="1"/>
+          </p:cNvPicPr>
+          <p:nvPr>
+            <p:ph idx="1"/>
+          </p:nvPr>
+        </p:nvPicPr>
+        <p:blipFill>
+          <a:blip r:embed="rId2">
+            <a:extLst>
+              <a:ext uri="{28A0092B-C50C-407E-A947-70E740481C1C}">
+                <a14:useLocalDpi xmlns:a14="http://schemas.microsoft.com/office/drawing/2010/main" val="0"/>
+              </a:ext>
+            </a:extLst>
+          </a:blip>
+          <a:stretch>
+            <a:fillRect/>
+          </a:stretch>
+        </p:blipFill>
+        <p:spPr>
+          <a:xfrm>
+            <a:off x="5469467" y="1926597"/>
+            <a:ext cx="6096000" cy="3767137"/>
+          </a:xfrm>
+        </p:spPr>
+      </p:pic>
     </p:spTree>
     <p:extLst>
       <p:ext uri="{BB962C8B-B14F-4D97-AF65-F5344CB8AC3E}">
